--- a/Buffett_Topic_Analysis.pptx
+++ b/Buffett_Topic_Analysis.pptx
@@ -4,6 +4,9 @@
   <p:sldMasterIdLst>
     <p:sldMasterId id="2147483648" r:id="rId1"/>
   </p:sldMasterIdLst>
+  <p:notesMasterIdLst>
+    <p:notesMasterId r:id="rId21"/>
+  </p:notesMasterIdLst>
   <p:sldIdLst>
     <p:sldId id="256" r:id="rId2"/>
     <p:sldId id="257" r:id="rId3"/>
@@ -14,12 +17,16 @@
     <p:sldId id="269" r:id="rId8"/>
     <p:sldId id="270" r:id="rId9"/>
     <p:sldId id="264" r:id="rId10"/>
-    <p:sldId id="261" r:id="rId11"/>
-    <p:sldId id="262" r:id="rId12"/>
-    <p:sldId id="263" r:id="rId13"/>
-    <p:sldId id="265" r:id="rId14"/>
-    <p:sldId id="266" r:id="rId15"/>
-    <p:sldId id="267" r:id="rId16"/>
+    <p:sldId id="271" r:id="rId11"/>
+    <p:sldId id="272" r:id="rId12"/>
+    <p:sldId id="273" r:id="rId13"/>
+    <p:sldId id="261" r:id="rId14"/>
+    <p:sldId id="262" r:id="rId15"/>
+    <p:sldId id="263" r:id="rId16"/>
+    <p:sldId id="274" r:id="rId17"/>
+    <p:sldId id="265" r:id="rId18"/>
+    <p:sldId id="266" r:id="rId19"/>
+    <p:sldId id="267" r:id="rId20"/>
   </p:sldIdLst>
   <p:sldSz cx="12192000" cy="6858000"/>
   <p:notesSz cx="6858000" cy="9144000"/>
@@ -126,6 +133,355 @@
 </p:presentation>
 </file>
 
+<file path=ppt/notesMasters/notesMaster1.xml><?xml version="1.0" encoding="utf-8"?>
+<p:notesMaster xmlns:a="http://schemas.openxmlformats.org/drawingml/2006/main" xmlns:r="http://schemas.openxmlformats.org/officeDocument/2006/relationships" xmlns:p="http://schemas.openxmlformats.org/presentationml/2006/main">
+  <p:cSld>
+    <p:bg>
+      <p:bgRef idx="1001">
+        <a:schemeClr val="bg1"/>
+      </p:bgRef>
+    </p:bg>
+    <p:spTree>
+      <p:nvGrpSpPr>
+        <p:cNvPr id="1" name=""/>
+        <p:cNvGrpSpPr/>
+        <p:nvPr/>
+      </p:nvGrpSpPr>
+      <p:grpSpPr>
+        <a:xfrm>
+          <a:off x="0" y="0"/>
+          <a:ext cx="0" cy="0"/>
+          <a:chOff x="0" y="0"/>
+          <a:chExt cx="0" cy="0"/>
+        </a:xfrm>
+      </p:grpSpPr>
+      <p:sp>
+        <p:nvSpPr>
+          <p:cNvPr id="2" name="Header Placeholder 1"/>
+          <p:cNvSpPr>
+            <a:spLocks noGrp="1"/>
+          </p:cNvSpPr>
+          <p:nvPr>
+            <p:ph type="hdr" sz="quarter"/>
+          </p:nvPr>
+        </p:nvSpPr>
+        <p:spPr>
+          <a:xfrm>
+            <a:off x="0" y="0"/>
+            <a:ext cx="2971800" cy="458788"/>
+          </a:xfrm>
+          <a:prstGeom prst="rect">
+            <a:avLst/>
+          </a:prstGeom>
+        </p:spPr>
+        <p:txBody>
+          <a:bodyPr vert="horz" lIns="91440" tIns="45720" rIns="91440" bIns="45720" rtlCol="0"/>
+          <a:lstStyle>
+            <a:lvl1pPr algn="l">
+              <a:defRPr sz="1200"/>
+            </a:lvl1pPr>
+          </a:lstStyle>
+          <a:p>
+            <a:endParaRPr lang="en-US"/>
+          </a:p>
+        </p:txBody>
+      </p:sp>
+      <p:sp>
+        <p:nvSpPr>
+          <p:cNvPr id="3" name="Date Placeholder 2"/>
+          <p:cNvSpPr>
+            <a:spLocks noGrp="1"/>
+          </p:cNvSpPr>
+          <p:nvPr>
+            <p:ph type="dt" idx="1"/>
+          </p:nvPr>
+        </p:nvSpPr>
+        <p:spPr>
+          <a:xfrm>
+            <a:off x="3884613" y="0"/>
+            <a:ext cx="2971800" cy="458788"/>
+          </a:xfrm>
+          <a:prstGeom prst="rect">
+            <a:avLst/>
+          </a:prstGeom>
+        </p:spPr>
+        <p:txBody>
+          <a:bodyPr vert="horz" lIns="91440" tIns="45720" rIns="91440" bIns="45720" rtlCol="0"/>
+          <a:lstStyle>
+            <a:lvl1pPr algn="r">
+              <a:defRPr sz="1200"/>
+            </a:lvl1pPr>
+          </a:lstStyle>
+          <a:p>
+            <a:fld id="{767E99F4-A211-49E5-9113-E058BAA0A155}" type="datetimeFigureOut">
+              <a:rPr lang="en-US" smtClean="0"/>
+              <a:t>1/19/2020</a:t>
+            </a:fld>
+            <a:endParaRPr lang="en-US"/>
+          </a:p>
+        </p:txBody>
+      </p:sp>
+      <p:sp>
+        <p:nvSpPr>
+          <p:cNvPr id="4" name="Slide Image Placeholder 3"/>
+          <p:cNvSpPr>
+            <a:spLocks noGrp="1" noRot="1" noChangeAspect="1"/>
+          </p:cNvSpPr>
+          <p:nvPr>
+            <p:ph type="sldImg" idx="2"/>
+          </p:nvPr>
+        </p:nvSpPr>
+        <p:spPr>
+          <a:xfrm>
+            <a:off x="685800" y="1143000"/>
+            <a:ext cx="5486400" cy="3086100"/>
+          </a:xfrm>
+          <a:prstGeom prst="rect">
+            <a:avLst/>
+          </a:prstGeom>
+          <a:noFill/>
+          <a:ln w="12700">
+            <a:solidFill>
+              <a:prstClr val="black"/>
+            </a:solidFill>
+          </a:ln>
+        </p:spPr>
+        <p:txBody>
+          <a:bodyPr vert="horz" lIns="91440" tIns="45720" rIns="91440" bIns="45720" rtlCol="0" anchor="ctr"/>
+          <a:lstStyle/>
+          <a:p>
+            <a:endParaRPr lang="en-US"/>
+          </a:p>
+        </p:txBody>
+      </p:sp>
+      <p:sp>
+        <p:nvSpPr>
+          <p:cNvPr id="5" name="Notes Placeholder 4"/>
+          <p:cNvSpPr>
+            <a:spLocks noGrp="1"/>
+          </p:cNvSpPr>
+          <p:nvPr>
+            <p:ph type="body" sz="quarter" idx="3"/>
+          </p:nvPr>
+        </p:nvSpPr>
+        <p:spPr>
+          <a:xfrm>
+            <a:off x="685800" y="4400550"/>
+            <a:ext cx="5486400" cy="3600450"/>
+          </a:xfrm>
+          <a:prstGeom prst="rect">
+            <a:avLst/>
+          </a:prstGeom>
+        </p:spPr>
+        <p:txBody>
+          <a:bodyPr vert="horz" lIns="91440" tIns="45720" rIns="91440" bIns="45720" rtlCol="0"/>
+          <a:lstStyle/>
+          <a:p>
+            <a:pPr lvl="0"/>
+            <a:r>
+              <a:rPr lang="en-US"/>
+              <a:t>Click to edit Master text styles</a:t>
+            </a:r>
+          </a:p>
+          <a:p>
+            <a:pPr lvl="1"/>
+            <a:r>
+              <a:rPr lang="en-US"/>
+              <a:t>Second level</a:t>
+            </a:r>
+          </a:p>
+          <a:p>
+            <a:pPr lvl="2"/>
+            <a:r>
+              <a:rPr lang="en-US"/>
+              <a:t>Third level</a:t>
+            </a:r>
+          </a:p>
+          <a:p>
+            <a:pPr lvl="3"/>
+            <a:r>
+              <a:rPr lang="en-US"/>
+              <a:t>Fourth level</a:t>
+            </a:r>
+          </a:p>
+          <a:p>
+            <a:pPr lvl="4"/>
+            <a:r>
+              <a:rPr lang="en-US"/>
+              <a:t>Fifth level</a:t>
+            </a:r>
+          </a:p>
+        </p:txBody>
+      </p:sp>
+      <p:sp>
+        <p:nvSpPr>
+          <p:cNvPr id="6" name="Footer Placeholder 5"/>
+          <p:cNvSpPr>
+            <a:spLocks noGrp="1"/>
+          </p:cNvSpPr>
+          <p:nvPr>
+            <p:ph type="ftr" sz="quarter" idx="4"/>
+          </p:nvPr>
+        </p:nvSpPr>
+        <p:spPr>
+          <a:xfrm>
+            <a:off x="0" y="8685213"/>
+            <a:ext cx="2971800" cy="458787"/>
+          </a:xfrm>
+          <a:prstGeom prst="rect">
+            <a:avLst/>
+          </a:prstGeom>
+        </p:spPr>
+        <p:txBody>
+          <a:bodyPr vert="horz" lIns="91440" tIns="45720" rIns="91440" bIns="45720" rtlCol="0" anchor="b"/>
+          <a:lstStyle>
+            <a:lvl1pPr algn="l">
+              <a:defRPr sz="1200"/>
+            </a:lvl1pPr>
+          </a:lstStyle>
+          <a:p>
+            <a:endParaRPr lang="en-US"/>
+          </a:p>
+        </p:txBody>
+      </p:sp>
+      <p:sp>
+        <p:nvSpPr>
+          <p:cNvPr id="7" name="Slide Number Placeholder 6"/>
+          <p:cNvSpPr>
+            <a:spLocks noGrp="1"/>
+          </p:cNvSpPr>
+          <p:nvPr>
+            <p:ph type="sldNum" sz="quarter" idx="5"/>
+          </p:nvPr>
+        </p:nvSpPr>
+        <p:spPr>
+          <a:xfrm>
+            <a:off x="3884613" y="8685213"/>
+            <a:ext cx="2971800" cy="458787"/>
+          </a:xfrm>
+          <a:prstGeom prst="rect">
+            <a:avLst/>
+          </a:prstGeom>
+        </p:spPr>
+        <p:txBody>
+          <a:bodyPr vert="horz" lIns="91440" tIns="45720" rIns="91440" bIns="45720" rtlCol="0" anchor="b"/>
+          <a:lstStyle>
+            <a:lvl1pPr algn="r">
+              <a:defRPr sz="1200"/>
+            </a:lvl1pPr>
+          </a:lstStyle>
+          <a:p>
+            <a:fld id="{13C0F30B-9E61-4749-B4E7-2A9D439DA09D}" type="slidenum">
+              <a:rPr lang="en-US" smtClean="0"/>
+              <a:t>‹#›</a:t>
+            </a:fld>
+            <a:endParaRPr lang="en-US"/>
+          </a:p>
+        </p:txBody>
+      </p:sp>
+    </p:spTree>
+    <p:extLst>
+      <p:ext uri="{BB962C8B-B14F-4D97-AF65-F5344CB8AC3E}">
+        <p14:creationId xmlns:p14="http://schemas.microsoft.com/office/powerpoint/2010/main" val="155965280"/>
+      </p:ext>
+    </p:extLst>
+  </p:cSld>
+  <p:clrMap bg1="lt1" tx1="dk1" bg2="lt2" tx2="dk2" accent1="accent1" accent2="accent2" accent3="accent3" accent4="accent4" accent5="accent5" accent6="accent6" hlink="hlink" folHlink="folHlink"/>
+  <p:notesStyle>
+    <a:lvl1pPr marL="0" algn="l" defTabSz="914400" rtl="0" eaLnBrk="1" latinLnBrk="0" hangingPunct="1">
+      <a:defRPr sz="1200" kern="1200">
+        <a:solidFill>
+          <a:schemeClr val="tx1"/>
+        </a:solidFill>
+        <a:latin typeface="+mn-lt"/>
+        <a:ea typeface="+mn-ea"/>
+        <a:cs typeface="+mn-cs"/>
+      </a:defRPr>
+    </a:lvl1pPr>
+    <a:lvl2pPr marL="457200" algn="l" defTabSz="914400" rtl="0" eaLnBrk="1" latinLnBrk="0" hangingPunct="1">
+      <a:defRPr sz="1200" kern="1200">
+        <a:solidFill>
+          <a:schemeClr val="tx1"/>
+        </a:solidFill>
+        <a:latin typeface="+mn-lt"/>
+        <a:ea typeface="+mn-ea"/>
+        <a:cs typeface="+mn-cs"/>
+      </a:defRPr>
+    </a:lvl2pPr>
+    <a:lvl3pPr marL="914400" algn="l" defTabSz="914400" rtl="0" eaLnBrk="1" latinLnBrk="0" hangingPunct="1">
+      <a:defRPr sz="1200" kern="1200">
+        <a:solidFill>
+          <a:schemeClr val="tx1"/>
+        </a:solidFill>
+        <a:latin typeface="+mn-lt"/>
+        <a:ea typeface="+mn-ea"/>
+        <a:cs typeface="+mn-cs"/>
+      </a:defRPr>
+    </a:lvl3pPr>
+    <a:lvl4pPr marL="1371600" algn="l" defTabSz="914400" rtl="0" eaLnBrk="1" latinLnBrk="0" hangingPunct="1">
+      <a:defRPr sz="1200" kern="1200">
+        <a:solidFill>
+          <a:schemeClr val="tx1"/>
+        </a:solidFill>
+        <a:latin typeface="+mn-lt"/>
+        <a:ea typeface="+mn-ea"/>
+        <a:cs typeface="+mn-cs"/>
+      </a:defRPr>
+    </a:lvl4pPr>
+    <a:lvl5pPr marL="1828800" algn="l" defTabSz="914400" rtl="0" eaLnBrk="1" latinLnBrk="0" hangingPunct="1">
+      <a:defRPr sz="1200" kern="1200">
+        <a:solidFill>
+          <a:schemeClr val="tx1"/>
+        </a:solidFill>
+        <a:latin typeface="+mn-lt"/>
+        <a:ea typeface="+mn-ea"/>
+        <a:cs typeface="+mn-cs"/>
+      </a:defRPr>
+    </a:lvl5pPr>
+    <a:lvl6pPr marL="2286000" algn="l" defTabSz="914400" rtl="0" eaLnBrk="1" latinLnBrk="0" hangingPunct="1">
+      <a:defRPr sz="1200" kern="1200">
+        <a:solidFill>
+          <a:schemeClr val="tx1"/>
+        </a:solidFill>
+        <a:latin typeface="+mn-lt"/>
+        <a:ea typeface="+mn-ea"/>
+        <a:cs typeface="+mn-cs"/>
+      </a:defRPr>
+    </a:lvl6pPr>
+    <a:lvl7pPr marL="2743200" algn="l" defTabSz="914400" rtl="0" eaLnBrk="1" latinLnBrk="0" hangingPunct="1">
+      <a:defRPr sz="1200" kern="1200">
+        <a:solidFill>
+          <a:schemeClr val="tx1"/>
+        </a:solidFill>
+        <a:latin typeface="+mn-lt"/>
+        <a:ea typeface="+mn-ea"/>
+        <a:cs typeface="+mn-cs"/>
+      </a:defRPr>
+    </a:lvl7pPr>
+    <a:lvl8pPr marL="3200400" algn="l" defTabSz="914400" rtl="0" eaLnBrk="1" latinLnBrk="0" hangingPunct="1">
+      <a:defRPr sz="1200" kern="1200">
+        <a:solidFill>
+          <a:schemeClr val="tx1"/>
+        </a:solidFill>
+        <a:latin typeface="+mn-lt"/>
+        <a:ea typeface="+mn-ea"/>
+        <a:cs typeface="+mn-cs"/>
+      </a:defRPr>
+    </a:lvl8pPr>
+    <a:lvl9pPr marL="3657600" algn="l" defTabSz="914400" rtl="0" eaLnBrk="1" latinLnBrk="0" hangingPunct="1">
+      <a:defRPr sz="1200" kern="1200">
+        <a:solidFill>
+          <a:schemeClr val="tx1"/>
+        </a:solidFill>
+        <a:latin typeface="+mn-lt"/>
+        <a:ea typeface="+mn-ea"/>
+        <a:cs typeface="+mn-cs"/>
+      </a:defRPr>
+    </a:lvl9pPr>
+  </p:notesStyle>
+</p:notesMaster>
+</file>
+
 <file path=ppt/slideLayouts/slideLayout1.xml><?xml version="1.0" encoding="utf-8"?>
 <p:sldLayout xmlns:a="http://schemas.openxmlformats.org/drawingml/2006/main" xmlns:r="http://schemas.openxmlformats.org/officeDocument/2006/relationships" xmlns:p="http://schemas.openxmlformats.org/presentationml/2006/main" type="title" preserve="1">
   <p:cSld name="Title Slide">
@@ -271,9 +627,9 @@
           <a:bodyPr/>
           <a:lstStyle/>
           <a:p>
-            <a:fld id="{6C654C44-6DF7-498C-BDC0-7374ABB1223A}" type="datetimeFigureOut">
+            <a:fld id="{9E3DD032-4925-49AC-AA7A-2D3554CFC68C}" type="datetime1">
               <a:rPr lang="en-US" smtClean="0"/>
-              <a:t>1/17/2020</a:t>
+              <a:t>1/19/2020</a:t>
             </a:fld>
             <a:endParaRPr lang="en-US"/>
           </a:p>
@@ -469,9 +825,9 @@
           <a:bodyPr/>
           <a:lstStyle/>
           <a:p>
-            <a:fld id="{6C654C44-6DF7-498C-BDC0-7374ABB1223A}" type="datetimeFigureOut">
+            <a:fld id="{A8FC3A1C-906F-42A7-A966-F241D0CE4891}" type="datetime1">
               <a:rPr lang="en-US" smtClean="0"/>
-              <a:t>1/17/2020</a:t>
+              <a:t>1/19/2020</a:t>
             </a:fld>
             <a:endParaRPr lang="en-US"/>
           </a:p>
@@ -677,9 +1033,9 @@
           <a:bodyPr/>
           <a:lstStyle/>
           <a:p>
-            <a:fld id="{6C654C44-6DF7-498C-BDC0-7374ABB1223A}" type="datetimeFigureOut">
+            <a:fld id="{B68A3AC5-FA53-4B13-B134-E3E6276B02CD}" type="datetime1">
               <a:rPr lang="en-US" smtClean="0"/>
-              <a:t>1/17/2020</a:t>
+              <a:t>1/19/2020</a:t>
             </a:fld>
             <a:endParaRPr lang="en-US"/>
           </a:p>
@@ -875,9 +1231,9 @@
           <a:bodyPr/>
           <a:lstStyle/>
           <a:p>
-            <a:fld id="{6C654C44-6DF7-498C-BDC0-7374ABB1223A}" type="datetimeFigureOut">
+            <a:fld id="{946169BA-DFEA-41A8-809D-5DF49E654B64}" type="datetime1">
               <a:rPr lang="en-US" smtClean="0"/>
-              <a:t>1/17/2020</a:t>
+              <a:t>1/19/2020</a:t>
             </a:fld>
             <a:endParaRPr lang="en-US"/>
           </a:p>
@@ -1150,9 +1506,9 @@
           <a:bodyPr/>
           <a:lstStyle/>
           <a:p>
-            <a:fld id="{6C654C44-6DF7-498C-BDC0-7374ABB1223A}" type="datetimeFigureOut">
+            <a:fld id="{C7203A08-6241-4DC8-8077-1F8375421AB2}" type="datetime1">
               <a:rPr lang="en-US" smtClean="0"/>
-              <a:t>1/17/2020</a:t>
+              <a:t>1/19/2020</a:t>
             </a:fld>
             <a:endParaRPr lang="en-US"/>
           </a:p>
@@ -1415,9 +1771,9 @@
           <a:bodyPr/>
           <a:lstStyle/>
           <a:p>
-            <a:fld id="{6C654C44-6DF7-498C-BDC0-7374ABB1223A}" type="datetimeFigureOut">
+            <a:fld id="{A392EE1A-E109-49D5-A09B-DBA33D453F11}" type="datetime1">
               <a:rPr lang="en-US" smtClean="0"/>
-              <a:t>1/17/2020</a:t>
+              <a:t>1/19/2020</a:t>
             </a:fld>
             <a:endParaRPr lang="en-US"/>
           </a:p>
@@ -1827,9 +2183,9 @@
           <a:bodyPr/>
           <a:lstStyle/>
           <a:p>
-            <a:fld id="{6C654C44-6DF7-498C-BDC0-7374ABB1223A}" type="datetimeFigureOut">
+            <a:fld id="{26AB71D9-84CC-4E9A-ACA8-0D47941A3AB8}" type="datetime1">
               <a:rPr lang="en-US" smtClean="0"/>
-              <a:t>1/17/2020</a:t>
+              <a:t>1/19/2020</a:t>
             </a:fld>
             <a:endParaRPr lang="en-US"/>
           </a:p>
@@ -1968,9 +2324,9 @@
           <a:bodyPr/>
           <a:lstStyle/>
           <a:p>
-            <a:fld id="{6C654C44-6DF7-498C-BDC0-7374ABB1223A}" type="datetimeFigureOut">
+            <a:fld id="{3CB7071D-4E70-4512-9ACE-FB5A7908430A}" type="datetime1">
               <a:rPr lang="en-US" smtClean="0"/>
-              <a:t>1/17/2020</a:t>
+              <a:t>1/19/2020</a:t>
             </a:fld>
             <a:endParaRPr lang="en-US"/>
           </a:p>
@@ -2081,9 +2437,9 @@
           <a:bodyPr/>
           <a:lstStyle/>
           <a:p>
-            <a:fld id="{6C654C44-6DF7-498C-BDC0-7374ABB1223A}" type="datetimeFigureOut">
+            <a:fld id="{F60B7702-5739-422A-B67D-CEB1C9D8C14F}" type="datetime1">
               <a:rPr lang="en-US" smtClean="0"/>
-              <a:t>1/17/2020</a:t>
+              <a:t>1/19/2020</a:t>
             </a:fld>
             <a:endParaRPr lang="en-US"/>
           </a:p>
@@ -2392,9 +2748,9 @@
           <a:bodyPr/>
           <a:lstStyle/>
           <a:p>
-            <a:fld id="{6C654C44-6DF7-498C-BDC0-7374ABB1223A}" type="datetimeFigureOut">
+            <a:fld id="{6885A08C-F047-4BFA-86A4-FA77A3FD5E84}" type="datetime1">
               <a:rPr lang="en-US" smtClean="0"/>
-              <a:t>1/17/2020</a:t>
+              <a:t>1/19/2020</a:t>
             </a:fld>
             <a:endParaRPr lang="en-US"/>
           </a:p>
@@ -2680,9 +3036,9 @@
           <a:bodyPr/>
           <a:lstStyle/>
           <a:p>
-            <a:fld id="{6C654C44-6DF7-498C-BDC0-7374ABB1223A}" type="datetimeFigureOut">
+            <a:fld id="{BE60B76F-5BC6-44AA-BE00-7AC702BF396C}" type="datetime1">
               <a:rPr lang="en-US" smtClean="0"/>
-              <a:t>1/17/2020</a:t>
+              <a:t>1/19/2020</a:t>
             </a:fld>
             <a:endParaRPr lang="en-US"/>
           </a:p>
@@ -2921,9 +3277,9 @@
             </a:lvl1pPr>
           </a:lstStyle>
           <a:p>
-            <a:fld id="{6C654C44-6DF7-498C-BDC0-7374ABB1223A}" type="datetimeFigureOut">
+            <a:fld id="{C9845DD6-5877-4A78-BFCD-9D167C7E331C}" type="datetime1">
               <a:rPr lang="en-US" smtClean="0"/>
-              <a:t>1/17/2020</a:t>
+              <a:t>1/19/2020</a:t>
             </a:fld>
             <a:endParaRPr lang="en-US"/>
           </a:p>
@@ -3040,6 +3396,7 @@
     <p:sldLayoutId id="2147483658" r:id="rId10"/>
     <p:sldLayoutId id="2147483659" r:id="rId11"/>
   </p:sldLayoutIdLst>
+  <p:hf hdr="0" ftr="0" dt="0"/>
   <p:txStyles>
     <p:titleStyle>
       <a:lvl1pPr algn="l" defTabSz="914400" rtl="0" eaLnBrk="1" latinLnBrk="0" hangingPunct="1">
@@ -3420,6 +3777,35 @@
           </a:p>
         </p:txBody>
       </p:sp>
+      <p:sp>
+        <p:nvSpPr>
+          <p:cNvPr id="4" name="Slide Number Placeholder 3">
+            <a:extLst>
+              <a:ext uri="{FF2B5EF4-FFF2-40B4-BE49-F238E27FC236}">
+                <a16:creationId xmlns:a16="http://schemas.microsoft.com/office/drawing/2014/main" id="{FB6C695D-75FF-4778-BD88-642F16BEE2A4}"/>
+              </a:ext>
+            </a:extLst>
+          </p:cNvPr>
+          <p:cNvSpPr>
+            <a:spLocks noGrp="1"/>
+          </p:cNvSpPr>
+          <p:nvPr>
+            <p:ph type="sldNum" sz="quarter" idx="12"/>
+          </p:nvPr>
+        </p:nvSpPr>
+        <p:spPr/>
+        <p:txBody>
+          <a:bodyPr/>
+          <a:lstStyle/>
+          <a:p>
+            <a:fld id="{5DC5D36E-4BAD-40D5-85A5-CF97D1C61F58}" type="slidenum">
+              <a:rPr lang="en-US" smtClean="0"/>
+              <a:t>1</a:t>
+            </a:fld>
+            <a:endParaRPr lang="en-US"/>
+          </a:p>
+        </p:txBody>
+      </p:sp>
     </p:spTree>
     <p:extLst>
       <p:ext uri="{BB962C8B-B14F-4D97-AF65-F5344CB8AC3E}">
@@ -3455,7 +3841,7 @@
           <p:cNvPr id="2" name="Title 1">
             <a:extLst>
               <a:ext uri="{FF2B5EF4-FFF2-40B4-BE49-F238E27FC236}">
-                <a16:creationId xmlns:a16="http://schemas.microsoft.com/office/drawing/2014/main" id="{FE5DA77F-4106-475F-AE14-88D3FB49A8D0}"/>
+                <a16:creationId xmlns:a16="http://schemas.microsoft.com/office/drawing/2014/main" id="{8B3AC409-A951-4B47-939E-696320413CA8}"/>
               </a:ext>
             </a:extLst>
           </p:cNvPr>
@@ -3471,34 +3857,86 @@
           <a:bodyPr/>
           <a:lstStyle/>
           <a:p>
+            <a:pPr algn="ctr"/>
             <a:r>
               <a:rPr lang="en-US" dirty="0"/>
-              <a:t>Types of Summarization</a:t>
-            </a:r>
-          </a:p>
-        </p:txBody>
-      </p:sp>
-      <p:sp>
-        <p:nvSpPr>
-          <p:cNvPr id="3" name="Content Placeholder 2">
-            <a:extLst>
-              <a:ext uri="{FF2B5EF4-FFF2-40B4-BE49-F238E27FC236}">
-                <a16:creationId xmlns:a16="http://schemas.microsoft.com/office/drawing/2014/main" id="{6B297225-B040-4923-80A6-2765857E6BDB}"/>
-              </a:ext>
-            </a:extLst>
-          </p:cNvPr>
-          <p:cNvSpPr>
-            <a:spLocks noGrp="1"/>
-          </p:cNvSpPr>
-          <p:nvPr>
-            <p:ph idx="1"/>
-          </p:nvPr>
-        </p:nvSpPr>
-        <p:spPr/>
-        <p:txBody>
-          <a:bodyPr/>
-          <a:lstStyle/>
-          <a:p>
+              <a:t>Exploratory Data Analysis – Common Entities (Organizations)</a:t>
+            </a:r>
+          </a:p>
+        </p:txBody>
+      </p:sp>
+      <p:pic>
+        <p:nvPicPr>
+          <p:cNvPr id="2056" name="Picture 8">
+            <a:extLst>
+              <a:ext uri="{FF2B5EF4-FFF2-40B4-BE49-F238E27FC236}">
+                <a16:creationId xmlns:a16="http://schemas.microsoft.com/office/drawing/2014/main" id="{50E921D3-6062-4EF2-9E2E-E0ACD8E422A8}"/>
+              </a:ext>
+            </a:extLst>
+          </p:cNvPr>
+          <p:cNvPicPr>
+            <a:picLocks noChangeAspect="1" noChangeArrowheads="1"/>
+          </p:cNvPicPr>
+          <p:nvPr/>
+        </p:nvPicPr>
+        <p:blipFill>
+          <a:blip r:embed="rId2">
+            <a:extLst>
+              <a:ext uri="{28A0092B-C50C-407E-A947-70E740481C1C}">
+                <a14:useLocalDpi xmlns:a14="http://schemas.microsoft.com/office/drawing/2010/main" val="0"/>
+              </a:ext>
+            </a:extLst>
+          </a:blip>
+          <a:srcRect/>
+          <a:stretch>
+            <a:fillRect/>
+          </a:stretch>
+        </p:blipFill>
+        <p:spPr bwMode="auto">
+          <a:xfrm>
+            <a:off x="1516574" y="1612163"/>
+            <a:ext cx="9020175" cy="5124450"/>
+          </a:xfrm>
+          <a:prstGeom prst="rect">
+            <a:avLst/>
+          </a:prstGeom>
+          <a:noFill/>
+          <a:extLst>
+            <a:ext uri="{909E8E84-426E-40DD-AFC4-6F175D3DCCD1}">
+              <a14:hiddenFill xmlns:a14="http://schemas.microsoft.com/office/drawing/2010/main">
+                <a:solidFill>
+                  <a:srgbClr val="FFFFFF"/>
+                </a:solidFill>
+              </a14:hiddenFill>
+            </a:ext>
+          </a:extLst>
+        </p:spPr>
+      </p:pic>
+      <p:sp>
+        <p:nvSpPr>
+          <p:cNvPr id="6" name="Slide Number Placeholder 5">
+            <a:extLst>
+              <a:ext uri="{FF2B5EF4-FFF2-40B4-BE49-F238E27FC236}">
+                <a16:creationId xmlns:a16="http://schemas.microsoft.com/office/drawing/2014/main" id="{3801DA19-3AAA-4157-8976-F6176946FD1A}"/>
+              </a:ext>
+            </a:extLst>
+          </p:cNvPr>
+          <p:cNvSpPr>
+            <a:spLocks noGrp="1"/>
+          </p:cNvSpPr>
+          <p:nvPr>
+            <p:ph type="sldNum" sz="quarter" idx="12"/>
+          </p:nvPr>
+        </p:nvSpPr>
+        <p:spPr/>
+        <p:txBody>
+          <a:bodyPr/>
+          <a:lstStyle/>
+          <a:p>
+            <a:fld id="{5DC5D36E-4BAD-40D5-85A5-CF97D1C61F58}" type="slidenum">
+              <a:rPr lang="en-US" smtClean="0"/>
+              <a:t>10</a:t>
+            </a:fld>
             <a:endParaRPr lang="en-US"/>
           </a:p>
         </p:txBody>
@@ -3506,7 +3944,7 @@
     </p:spTree>
     <p:extLst>
       <p:ext uri="{BB962C8B-B14F-4D97-AF65-F5344CB8AC3E}">
-        <p14:creationId xmlns:p14="http://schemas.microsoft.com/office/powerpoint/2010/main" val="72980036"/>
+        <p14:creationId xmlns:p14="http://schemas.microsoft.com/office/powerpoint/2010/main" val="2023277649"/>
       </p:ext>
     </p:extLst>
   </p:cSld>
@@ -3538,7 +3976,7 @@
           <p:cNvPr id="2" name="Title 1">
             <a:extLst>
               <a:ext uri="{FF2B5EF4-FFF2-40B4-BE49-F238E27FC236}">
-                <a16:creationId xmlns:a16="http://schemas.microsoft.com/office/drawing/2014/main" id="{C77A3701-021F-49D2-9BF9-A5148F10F0B8}"/>
+                <a16:creationId xmlns:a16="http://schemas.microsoft.com/office/drawing/2014/main" id="{FD1CF595-B979-4064-8F44-B6FA645A1D35}"/>
               </a:ext>
             </a:extLst>
           </p:cNvPr>
@@ -3556,32 +3994,85 @@
           <a:p>
             <a:r>
               <a:rPr lang="en-US" dirty="0"/>
-              <a:t>Summarization Methods</a:t>
-            </a:r>
-          </a:p>
-        </p:txBody>
-      </p:sp>
-      <p:sp>
-        <p:nvSpPr>
-          <p:cNvPr id="3" name="Content Placeholder 2">
-            <a:extLst>
-              <a:ext uri="{FF2B5EF4-FFF2-40B4-BE49-F238E27FC236}">
-                <a16:creationId xmlns:a16="http://schemas.microsoft.com/office/drawing/2014/main" id="{5C1C6ECD-93B8-4DD6-B53F-0E10FF559410}"/>
-              </a:ext>
-            </a:extLst>
-          </p:cNvPr>
-          <p:cNvSpPr>
-            <a:spLocks noGrp="1"/>
-          </p:cNvSpPr>
+              <a:t>Exploratory Data Analysis – Common Entities (People)</a:t>
+            </a:r>
+          </a:p>
+        </p:txBody>
+      </p:sp>
+      <p:pic>
+        <p:nvPicPr>
+          <p:cNvPr id="4" name="Picture 10">
+            <a:extLst>
+              <a:ext uri="{FF2B5EF4-FFF2-40B4-BE49-F238E27FC236}">
+                <a16:creationId xmlns:a16="http://schemas.microsoft.com/office/drawing/2014/main" id="{0455781E-761D-4990-A889-929A12BE6194}"/>
+              </a:ext>
+            </a:extLst>
+          </p:cNvPr>
+          <p:cNvPicPr>
+            <a:picLocks noGrp="1" noChangeAspect="1" noChangeArrowheads="1"/>
+          </p:cNvPicPr>
           <p:nvPr>
             <p:ph idx="1"/>
           </p:nvPr>
-        </p:nvSpPr>
-        <p:spPr/>
-        <p:txBody>
-          <a:bodyPr/>
-          <a:lstStyle/>
-          <a:p>
+        </p:nvPicPr>
+        <p:blipFill>
+          <a:blip r:embed="rId2">
+            <a:extLst>
+              <a:ext uri="{28A0092B-C50C-407E-A947-70E740481C1C}">
+                <a14:useLocalDpi xmlns:a14="http://schemas.microsoft.com/office/drawing/2010/main" val="0"/>
+              </a:ext>
+            </a:extLst>
+          </a:blip>
+          <a:srcRect/>
+          <a:stretch>
+            <a:fillRect/>
+          </a:stretch>
+        </p:blipFill>
+        <p:spPr bwMode="auto">
+          <a:xfrm>
+            <a:off x="1991700" y="1825625"/>
+            <a:ext cx="8208599" cy="4351338"/>
+          </a:xfrm>
+          <a:prstGeom prst="rect">
+            <a:avLst/>
+          </a:prstGeom>
+          <a:noFill/>
+          <a:extLst>
+            <a:ext uri="{909E8E84-426E-40DD-AFC4-6F175D3DCCD1}">
+              <a14:hiddenFill xmlns:a14="http://schemas.microsoft.com/office/drawing/2010/main">
+                <a:solidFill>
+                  <a:srgbClr val="FFFFFF"/>
+                </a:solidFill>
+              </a14:hiddenFill>
+            </a:ext>
+          </a:extLst>
+        </p:spPr>
+      </p:pic>
+      <p:sp>
+        <p:nvSpPr>
+          <p:cNvPr id="5" name="Slide Number Placeholder 4">
+            <a:extLst>
+              <a:ext uri="{FF2B5EF4-FFF2-40B4-BE49-F238E27FC236}">
+                <a16:creationId xmlns:a16="http://schemas.microsoft.com/office/drawing/2014/main" id="{9D6F554F-02E0-45AD-9DA2-BDF655608EE3}"/>
+              </a:ext>
+            </a:extLst>
+          </p:cNvPr>
+          <p:cNvSpPr>
+            <a:spLocks noGrp="1"/>
+          </p:cNvSpPr>
+          <p:nvPr>
+            <p:ph type="sldNum" sz="quarter" idx="12"/>
+          </p:nvPr>
+        </p:nvSpPr>
+        <p:spPr/>
+        <p:txBody>
+          <a:bodyPr/>
+          <a:lstStyle/>
+          <a:p>
+            <a:fld id="{5DC5D36E-4BAD-40D5-85A5-CF97D1C61F58}" type="slidenum">
+              <a:rPr lang="en-US" smtClean="0"/>
+              <a:t>11</a:t>
+            </a:fld>
             <a:endParaRPr lang="en-US"/>
           </a:p>
         </p:txBody>
@@ -3589,7 +4080,7 @@
     </p:spTree>
     <p:extLst>
       <p:ext uri="{BB962C8B-B14F-4D97-AF65-F5344CB8AC3E}">
-        <p14:creationId xmlns:p14="http://schemas.microsoft.com/office/powerpoint/2010/main" val="311499538"/>
+        <p14:creationId xmlns:p14="http://schemas.microsoft.com/office/powerpoint/2010/main" val="3017140651"/>
       </p:ext>
     </p:extLst>
   </p:cSld>
@@ -3621,7 +4112,7 @@
           <p:cNvPr id="2" name="Title 1">
             <a:extLst>
               <a:ext uri="{FF2B5EF4-FFF2-40B4-BE49-F238E27FC236}">
-                <a16:creationId xmlns:a16="http://schemas.microsoft.com/office/drawing/2014/main" id="{CE57F2B3-E7F9-4EB2-9195-41B049DE2E57}"/>
+                <a16:creationId xmlns:a16="http://schemas.microsoft.com/office/drawing/2014/main" id="{1DEFF6C1-83BD-49F2-A909-83C3859C44F0}"/>
               </a:ext>
             </a:extLst>
           </p:cNvPr>
@@ -3639,32 +4130,83 @@
           <a:p>
             <a:r>
               <a:rPr lang="en-US" dirty="0"/>
-              <a:t>Measuring Summarization Quality</a:t>
-            </a:r>
-          </a:p>
-        </p:txBody>
-      </p:sp>
-      <p:sp>
-        <p:nvSpPr>
-          <p:cNvPr id="3" name="Content Placeholder 2">
-            <a:extLst>
-              <a:ext uri="{FF2B5EF4-FFF2-40B4-BE49-F238E27FC236}">
-                <a16:creationId xmlns:a16="http://schemas.microsoft.com/office/drawing/2014/main" id="{4C0AD449-5F62-4801-A8EC-410889276BBB}"/>
-              </a:ext>
-            </a:extLst>
-          </p:cNvPr>
-          <p:cNvSpPr>
-            <a:spLocks noGrp="1"/>
-          </p:cNvSpPr>
-          <p:nvPr>
-            <p:ph idx="1"/>
-          </p:nvPr>
-        </p:nvSpPr>
-        <p:spPr/>
-        <p:txBody>
-          <a:bodyPr/>
-          <a:lstStyle/>
-          <a:p>
+              <a:t>Word clouds – People and Places</a:t>
+            </a:r>
+          </a:p>
+        </p:txBody>
+      </p:sp>
+      <p:pic>
+        <p:nvPicPr>
+          <p:cNvPr id="3074" name="Picture 2">
+            <a:extLst>
+              <a:ext uri="{FF2B5EF4-FFF2-40B4-BE49-F238E27FC236}">
+                <a16:creationId xmlns:a16="http://schemas.microsoft.com/office/drawing/2014/main" id="{C3A59085-A068-41A2-86C8-3426E5D465AB}"/>
+              </a:ext>
+            </a:extLst>
+          </p:cNvPr>
+          <p:cNvPicPr>
+            <a:picLocks noChangeAspect="1" noChangeArrowheads="1"/>
+          </p:cNvPicPr>
+          <p:nvPr/>
+        </p:nvPicPr>
+        <p:blipFill>
+          <a:blip r:embed="rId2">
+            <a:extLst>
+              <a:ext uri="{28A0092B-C50C-407E-A947-70E740481C1C}">
+                <a14:useLocalDpi xmlns:a14="http://schemas.microsoft.com/office/drawing/2010/main" val="0"/>
+              </a:ext>
+            </a:extLst>
+          </a:blip>
+          <a:srcRect/>
+          <a:stretch>
+            <a:fillRect/>
+          </a:stretch>
+        </p:blipFill>
+        <p:spPr bwMode="auto">
+          <a:xfrm>
+            <a:off x="1793612" y="1744384"/>
+            <a:ext cx="8353425" cy="4305300"/>
+          </a:xfrm>
+          <a:prstGeom prst="rect">
+            <a:avLst/>
+          </a:prstGeom>
+          <a:noFill/>
+          <a:extLst>
+            <a:ext uri="{909E8E84-426E-40DD-AFC4-6F175D3DCCD1}">
+              <a14:hiddenFill xmlns:a14="http://schemas.microsoft.com/office/drawing/2010/main">
+                <a:solidFill>
+                  <a:srgbClr val="FFFFFF"/>
+                </a:solidFill>
+              </a14:hiddenFill>
+            </a:ext>
+          </a:extLst>
+        </p:spPr>
+      </p:pic>
+      <p:sp>
+        <p:nvSpPr>
+          <p:cNvPr id="4" name="Slide Number Placeholder 3">
+            <a:extLst>
+              <a:ext uri="{FF2B5EF4-FFF2-40B4-BE49-F238E27FC236}">
+                <a16:creationId xmlns:a16="http://schemas.microsoft.com/office/drawing/2014/main" id="{F5A6F1DB-984D-499E-A590-6F87605183EB}"/>
+              </a:ext>
+            </a:extLst>
+          </p:cNvPr>
+          <p:cNvSpPr>
+            <a:spLocks noGrp="1"/>
+          </p:cNvSpPr>
+          <p:nvPr>
+            <p:ph type="sldNum" sz="quarter" idx="12"/>
+          </p:nvPr>
+        </p:nvSpPr>
+        <p:spPr/>
+        <p:txBody>
+          <a:bodyPr/>
+          <a:lstStyle/>
+          <a:p>
+            <a:fld id="{5DC5D36E-4BAD-40D5-85A5-CF97D1C61F58}" type="slidenum">
+              <a:rPr lang="en-US" smtClean="0"/>
+              <a:t>12</a:t>
+            </a:fld>
             <a:endParaRPr lang="en-US"/>
           </a:p>
         </p:txBody>
@@ -3672,7 +4214,7 @@
     </p:spTree>
     <p:extLst>
       <p:ext uri="{BB962C8B-B14F-4D97-AF65-F5344CB8AC3E}">
-        <p14:creationId xmlns:p14="http://schemas.microsoft.com/office/powerpoint/2010/main" val="2324385572"/>
+        <p14:creationId xmlns:p14="http://schemas.microsoft.com/office/powerpoint/2010/main" val="2134257134"/>
       </p:ext>
     </p:extLst>
   </p:cSld>
@@ -3704,7 +4246,7 @@
           <p:cNvPr id="2" name="Title 1">
             <a:extLst>
               <a:ext uri="{FF2B5EF4-FFF2-40B4-BE49-F238E27FC236}">
-                <a16:creationId xmlns:a16="http://schemas.microsoft.com/office/drawing/2014/main" id="{566CF2E3-88D8-4E4E-8F46-54CAE0FE75A9}"/>
+                <a16:creationId xmlns:a16="http://schemas.microsoft.com/office/drawing/2014/main" id="{FE5DA77F-4106-475F-AE14-88D3FB49A8D0}"/>
               </a:ext>
             </a:extLst>
           </p:cNvPr>
@@ -3722,7 +4264,7 @@
           <a:p>
             <a:r>
               <a:rPr lang="en-US" dirty="0"/>
-              <a:t>Summarization Examples</a:t>
+              <a:t>Types of Summarization</a:t>
             </a:r>
           </a:p>
         </p:txBody>
@@ -3732,7 +4274,7 @@
           <p:cNvPr id="3" name="Content Placeholder 2">
             <a:extLst>
               <a:ext uri="{FF2B5EF4-FFF2-40B4-BE49-F238E27FC236}">
-                <a16:creationId xmlns:a16="http://schemas.microsoft.com/office/drawing/2014/main" id="{95338C04-FA83-4059-835A-AE31355959F0}"/>
+                <a16:creationId xmlns:a16="http://schemas.microsoft.com/office/drawing/2014/main" id="{6B297225-B040-4923-80A6-2765857E6BDB}"/>
               </a:ext>
             </a:extLst>
           </p:cNvPr>
@@ -3745,17 +4287,77 @@
         </p:nvSpPr>
         <p:spPr/>
         <p:txBody>
-          <a:bodyPr/>
-          <a:lstStyle/>
+          <a:bodyPr>
+            <a:normAutofit/>
+          </a:bodyPr>
+          <a:lstStyle/>
+          <a:p>
+            <a:r>
+              <a:rPr lang="en-US" i="1" dirty="0"/>
+              <a:t>Extractive summarization</a:t>
+            </a:r>
+            <a:r>
+              <a:rPr lang="en-US" dirty="0"/>
+              <a:t> involves finding the most salient sentences and presenting them as a summary.</a:t>
+            </a:r>
+          </a:p>
           <a:p>
             <a:endParaRPr lang="en-US" dirty="0"/>
+          </a:p>
+          <a:p>
+            <a:r>
+              <a:rPr lang="en-US" i="1" dirty="0"/>
+              <a:t>Abstractive summarization </a:t>
+            </a:r>
+            <a:r>
+              <a:rPr lang="en-US" dirty="0"/>
+              <a:t>creates new summaries based on sentences given.</a:t>
+            </a:r>
+          </a:p>
+          <a:p>
+            <a:endParaRPr lang="en-US" dirty="0"/>
+          </a:p>
+          <a:p>
+            <a:r>
+              <a:rPr lang="en-US" dirty="0"/>
+              <a:t>Extractive summarization easier for computers to process – abstractive requires deep learning beyond the scope of this project.</a:t>
+            </a:r>
+          </a:p>
+        </p:txBody>
+      </p:sp>
+      <p:sp>
+        <p:nvSpPr>
+          <p:cNvPr id="4" name="Slide Number Placeholder 3">
+            <a:extLst>
+              <a:ext uri="{FF2B5EF4-FFF2-40B4-BE49-F238E27FC236}">
+                <a16:creationId xmlns:a16="http://schemas.microsoft.com/office/drawing/2014/main" id="{3A7B087E-026B-4B94-9906-FF0CFEE989BE}"/>
+              </a:ext>
+            </a:extLst>
+          </p:cNvPr>
+          <p:cNvSpPr>
+            <a:spLocks noGrp="1"/>
+          </p:cNvSpPr>
+          <p:nvPr>
+            <p:ph type="sldNum" sz="quarter" idx="12"/>
+          </p:nvPr>
+        </p:nvSpPr>
+        <p:spPr/>
+        <p:txBody>
+          <a:bodyPr/>
+          <a:lstStyle/>
+          <a:p>
+            <a:fld id="{5DC5D36E-4BAD-40D5-85A5-CF97D1C61F58}" type="slidenum">
+              <a:rPr lang="en-US" smtClean="0"/>
+              <a:t>13</a:t>
+            </a:fld>
+            <a:endParaRPr lang="en-US"/>
           </a:p>
         </p:txBody>
       </p:sp>
     </p:spTree>
     <p:extLst>
       <p:ext uri="{BB962C8B-B14F-4D97-AF65-F5344CB8AC3E}">
-        <p14:creationId xmlns:p14="http://schemas.microsoft.com/office/powerpoint/2010/main" val="3469713732"/>
+        <p14:creationId xmlns:p14="http://schemas.microsoft.com/office/powerpoint/2010/main" val="72980036"/>
       </p:ext>
     </p:extLst>
   </p:cSld>
@@ -3787,7 +4389,7 @@
           <p:cNvPr id="2" name="Title 1">
             <a:extLst>
               <a:ext uri="{FF2B5EF4-FFF2-40B4-BE49-F238E27FC236}">
-                <a16:creationId xmlns:a16="http://schemas.microsoft.com/office/drawing/2014/main" id="{8121C31A-464B-4B2B-BD96-B2C93F6683E5}"/>
+                <a16:creationId xmlns:a16="http://schemas.microsoft.com/office/drawing/2014/main" id="{C77A3701-021F-49D2-9BF9-A5148F10F0B8}"/>
               </a:ext>
             </a:extLst>
           </p:cNvPr>
@@ -3805,7 +4407,7 @@
           <a:p>
             <a:r>
               <a:rPr lang="en-US" dirty="0"/>
-              <a:t>Summarization of Corpus (Milestone II)</a:t>
+              <a:t>Summarization Methods</a:t>
             </a:r>
           </a:p>
         </p:txBody>
@@ -3815,7 +4417,7 @@
           <p:cNvPr id="3" name="Content Placeholder 2">
             <a:extLst>
               <a:ext uri="{FF2B5EF4-FFF2-40B4-BE49-F238E27FC236}">
-                <a16:creationId xmlns:a16="http://schemas.microsoft.com/office/drawing/2014/main" id="{DB8E43CF-B8AF-4354-A5BE-D20A999A8BB9}"/>
+                <a16:creationId xmlns:a16="http://schemas.microsoft.com/office/drawing/2014/main" id="{5C1C6ECD-93B8-4DD6-B53F-0E10FF559410}"/>
               </a:ext>
             </a:extLst>
           </p:cNvPr>
@@ -3831,6 +4433,74 @@
           <a:bodyPr/>
           <a:lstStyle/>
           <a:p>
+            <a:r>
+              <a:rPr lang="en-US" dirty="0" err="1"/>
+              <a:t>Textrank</a:t>
+            </a:r>
+            <a:r>
+              <a:rPr lang="en-US" dirty="0"/>
+              <a:t> is a graph based weighting model similar to Google’s PageRank algorithm.</a:t>
+            </a:r>
+          </a:p>
+          <a:p>
+            <a:endParaRPr lang="en-US" dirty="0"/>
+          </a:p>
+          <a:p>
+            <a:r>
+              <a:rPr lang="en-US" u="sng" dirty="0" err="1">
+                <a:hlinkClick r:id="rId2"/>
+              </a:rPr>
+              <a:t>Lexrank</a:t>
+            </a:r>
+            <a:r>
+              <a:rPr lang="en-US" dirty="0"/>
+              <a:t> uses the same graph-based weighting model as </a:t>
+            </a:r>
+            <a:r>
+              <a:rPr lang="en-US" dirty="0" err="1"/>
+              <a:t>Textrank</a:t>
+            </a:r>
+            <a:r>
+              <a:rPr lang="en-US" dirty="0"/>
+              <a:t>, but differs in the method of generating weights. </a:t>
+            </a:r>
+          </a:p>
+          <a:p>
+            <a:endParaRPr lang="en-US" dirty="0"/>
+          </a:p>
+          <a:p>
+            <a:r>
+              <a:rPr lang="en-US" dirty="0"/>
+              <a:t>LSA analyzes similarities between the meanings of a series of documents and produces a series of concepts related to the documents.</a:t>
+            </a:r>
+          </a:p>
+        </p:txBody>
+      </p:sp>
+      <p:sp>
+        <p:nvSpPr>
+          <p:cNvPr id="4" name="Slide Number Placeholder 3">
+            <a:extLst>
+              <a:ext uri="{FF2B5EF4-FFF2-40B4-BE49-F238E27FC236}">
+                <a16:creationId xmlns:a16="http://schemas.microsoft.com/office/drawing/2014/main" id="{4C292AF1-37B5-4CB3-90FC-D7DE6355EB74}"/>
+              </a:ext>
+            </a:extLst>
+          </p:cNvPr>
+          <p:cNvSpPr>
+            <a:spLocks noGrp="1"/>
+          </p:cNvSpPr>
+          <p:nvPr>
+            <p:ph type="sldNum" sz="quarter" idx="12"/>
+          </p:nvPr>
+        </p:nvSpPr>
+        <p:spPr/>
+        <p:txBody>
+          <a:bodyPr/>
+          <a:lstStyle/>
+          <a:p>
+            <a:fld id="{5DC5D36E-4BAD-40D5-85A5-CF97D1C61F58}" type="slidenum">
+              <a:rPr lang="en-US" smtClean="0"/>
+              <a:t>14</a:t>
+            </a:fld>
             <a:endParaRPr lang="en-US"/>
           </a:p>
         </p:txBody>
@@ -3838,7 +4508,7 @@
     </p:spTree>
     <p:extLst>
       <p:ext uri="{BB962C8B-B14F-4D97-AF65-F5344CB8AC3E}">
-        <p14:creationId xmlns:p14="http://schemas.microsoft.com/office/powerpoint/2010/main" val="3463256761"/>
+        <p14:creationId xmlns:p14="http://schemas.microsoft.com/office/powerpoint/2010/main" val="311499538"/>
       </p:ext>
     </p:extLst>
   </p:cSld>
@@ -3870,6 +4540,562 @@
           <p:cNvPr id="2" name="Title 1">
             <a:extLst>
               <a:ext uri="{FF2B5EF4-FFF2-40B4-BE49-F238E27FC236}">
+                <a16:creationId xmlns:a16="http://schemas.microsoft.com/office/drawing/2014/main" id="{CE57F2B3-E7F9-4EB2-9195-41B049DE2E57}"/>
+              </a:ext>
+            </a:extLst>
+          </p:cNvPr>
+          <p:cNvSpPr>
+            <a:spLocks noGrp="1"/>
+          </p:cNvSpPr>
+          <p:nvPr>
+            <p:ph type="title"/>
+          </p:nvPr>
+        </p:nvSpPr>
+        <p:spPr/>
+        <p:txBody>
+          <a:bodyPr/>
+          <a:lstStyle/>
+          <a:p>
+            <a:r>
+              <a:rPr lang="en-US" dirty="0"/>
+              <a:t>Measuring Summarization Quality</a:t>
+            </a:r>
+          </a:p>
+        </p:txBody>
+      </p:sp>
+      <p:sp>
+        <p:nvSpPr>
+          <p:cNvPr id="3" name="Content Placeholder 2">
+            <a:extLst>
+              <a:ext uri="{FF2B5EF4-FFF2-40B4-BE49-F238E27FC236}">
+                <a16:creationId xmlns:a16="http://schemas.microsoft.com/office/drawing/2014/main" id="{4C0AD449-5F62-4801-A8EC-410889276BBB}"/>
+              </a:ext>
+            </a:extLst>
+          </p:cNvPr>
+          <p:cNvSpPr>
+            <a:spLocks noGrp="1"/>
+          </p:cNvSpPr>
+          <p:nvPr>
+            <p:ph idx="1"/>
+          </p:nvPr>
+        </p:nvSpPr>
+        <p:spPr/>
+        <p:txBody>
+          <a:bodyPr/>
+          <a:lstStyle/>
+          <a:p>
+            <a:r>
+              <a:rPr lang="en-US" dirty="0"/>
+              <a:t>Use Spacy to measure similarities between summaries extracted between 3 different methods</a:t>
+            </a:r>
+          </a:p>
+          <a:p>
+            <a:endParaRPr lang="en-US" dirty="0"/>
+          </a:p>
+          <a:p>
+            <a:r>
+              <a:rPr lang="en-US" dirty="0"/>
+              <a:t>Plot similarities for each pairwise comparison to find where summaries differ from each other</a:t>
+            </a:r>
+          </a:p>
+          <a:p>
+            <a:endParaRPr lang="en-US" dirty="0"/>
+          </a:p>
+          <a:p>
+            <a:r>
+              <a:rPr lang="en-US" dirty="0"/>
+              <a:t>Examine summaries from years of diverging similarity to find “best” summary method</a:t>
+            </a:r>
+          </a:p>
+        </p:txBody>
+      </p:sp>
+      <p:sp>
+        <p:nvSpPr>
+          <p:cNvPr id="4" name="Slide Number Placeholder 3">
+            <a:extLst>
+              <a:ext uri="{FF2B5EF4-FFF2-40B4-BE49-F238E27FC236}">
+                <a16:creationId xmlns:a16="http://schemas.microsoft.com/office/drawing/2014/main" id="{D7EB0E64-5729-4FBE-B3E0-94518660872E}"/>
+              </a:ext>
+            </a:extLst>
+          </p:cNvPr>
+          <p:cNvSpPr>
+            <a:spLocks noGrp="1"/>
+          </p:cNvSpPr>
+          <p:nvPr>
+            <p:ph type="sldNum" sz="quarter" idx="12"/>
+          </p:nvPr>
+        </p:nvSpPr>
+        <p:spPr/>
+        <p:txBody>
+          <a:bodyPr/>
+          <a:lstStyle/>
+          <a:p>
+            <a:fld id="{5DC5D36E-4BAD-40D5-85A5-CF97D1C61F58}" type="slidenum">
+              <a:rPr lang="en-US" smtClean="0"/>
+              <a:t>15</a:t>
+            </a:fld>
+            <a:endParaRPr lang="en-US"/>
+          </a:p>
+        </p:txBody>
+      </p:sp>
+    </p:spTree>
+    <p:extLst>
+      <p:ext uri="{BB962C8B-B14F-4D97-AF65-F5344CB8AC3E}">
+        <p14:creationId xmlns:p14="http://schemas.microsoft.com/office/powerpoint/2010/main" val="2324385572"/>
+      </p:ext>
+    </p:extLst>
+  </p:cSld>
+  <p:clrMapOvr>
+    <a:masterClrMapping/>
+  </p:clrMapOvr>
+</p:sld>
+</file>
+
+<file path=ppt/slides/slide16.xml><?xml version="1.0" encoding="utf-8"?>
+<p:sld xmlns:a="http://schemas.openxmlformats.org/drawingml/2006/main" xmlns:r="http://schemas.openxmlformats.org/officeDocument/2006/relationships" xmlns:p="http://schemas.openxmlformats.org/presentationml/2006/main">
+  <p:cSld>
+    <p:spTree>
+      <p:nvGrpSpPr>
+        <p:cNvPr id="1" name=""/>
+        <p:cNvGrpSpPr/>
+        <p:nvPr/>
+      </p:nvGrpSpPr>
+      <p:grpSpPr>
+        <a:xfrm>
+          <a:off x="0" y="0"/>
+          <a:ext cx="0" cy="0"/>
+          <a:chOff x="0" y="0"/>
+          <a:chExt cx="0" cy="0"/>
+        </a:xfrm>
+      </p:grpSpPr>
+      <p:sp>
+        <p:nvSpPr>
+          <p:cNvPr id="2" name="Title 1">
+            <a:extLst>
+              <a:ext uri="{FF2B5EF4-FFF2-40B4-BE49-F238E27FC236}">
+                <a16:creationId xmlns:a16="http://schemas.microsoft.com/office/drawing/2014/main" id="{ECF63131-82B9-4092-BBDF-4509DAF06C2C}"/>
+              </a:ext>
+            </a:extLst>
+          </p:cNvPr>
+          <p:cNvSpPr>
+            <a:spLocks noGrp="1"/>
+          </p:cNvSpPr>
+          <p:nvPr>
+            <p:ph type="title"/>
+          </p:nvPr>
+        </p:nvSpPr>
+        <p:spPr/>
+        <p:txBody>
+          <a:bodyPr/>
+          <a:lstStyle/>
+          <a:p>
+            <a:r>
+              <a:rPr lang="en-US" dirty="0"/>
+              <a:t>Similarities in Summarization</a:t>
+            </a:r>
+          </a:p>
+        </p:txBody>
+      </p:sp>
+      <p:sp>
+        <p:nvSpPr>
+          <p:cNvPr id="4" name="Slide Number Placeholder 3">
+            <a:extLst>
+              <a:ext uri="{FF2B5EF4-FFF2-40B4-BE49-F238E27FC236}">
+                <a16:creationId xmlns:a16="http://schemas.microsoft.com/office/drawing/2014/main" id="{AA1FF9B3-5C3E-4236-869E-0A6C030807C0}"/>
+              </a:ext>
+            </a:extLst>
+          </p:cNvPr>
+          <p:cNvSpPr>
+            <a:spLocks noGrp="1"/>
+          </p:cNvSpPr>
+          <p:nvPr>
+            <p:ph type="sldNum" sz="quarter" idx="12"/>
+          </p:nvPr>
+        </p:nvSpPr>
+        <p:spPr/>
+        <p:txBody>
+          <a:bodyPr/>
+          <a:lstStyle/>
+          <a:p>
+            <a:fld id="{5DC5D36E-4BAD-40D5-85A5-CF97D1C61F58}" type="slidenum">
+              <a:rPr lang="en-US" smtClean="0"/>
+              <a:t>16</a:t>
+            </a:fld>
+            <a:endParaRPr lang="en-US"/>
+          </a:p>
+        </p:txBody>
+      </p:sp>
+      <p:pic>
+        <p:nvPicPr>
+          <p:cNvPr id="5122" name="Picture 2">
+            <a:extLst>
+              <a:ext uri="{FF2B5EF4-FFF2-40B4-BE49-F238E27FC236}">
+                <a16:creationId xmlns:a16="http://schemas.microsoft.com/office/drawing/2014/main" id="{2D039654-037B-44A9-B8A5-E8818D7B2C76}"/>
+              </a:ext>
+            </a:extLst>
+          </p:cNvPr>
+          <p:cNvPicPr>
+            <a:picLocks noChangeAspect="1" noChangeArrowheads="1"/>
+          </p:cNvPicPr>
+          <p:nvPr/>
+        </p:nvPicPr>
+        <p:blipFill>
+          <a:blip r:embed="rId2">
+            <a:extLst>
+              <a:ext uri="{28A0092B-C50C-407E-A947-70E740481C1C}">
+                <a14:useLocalDpi xmlns:a14="http://schemas.microsoft.com/office/drawing/2010/main" val="0"/>
+              </a:ext>
+            </a:extLst>
+          </a:blip>
+          <a:srcRect/>
+          <a:stretch>
+            <a:fillRect/>
+          </a:stretch>
+        </p:blipFill>
+        <p:spPr bwMode="auto">
+          <a:xfrm>
+            <a:off x="1362075" y="1666876"/>
+            <a:ext cx="9048750" cy="4419600"/>
+          </a:xfrm>
+          <a:prstGeom prst="rect">
+            <a:avLst/>
+          </a:prstGeom>
+          <a:noFill/>
+          <a:extLst>
+            <a:ext uri="{909E8E84-426E-40DD-AFC4-6F175D3DCCD1}">
+              <a14:hiddenFill xmlns:a14="http://schemas.microsoft.com/office/drawing/2010/main">
+                <a:solidFill>
+                  <a:srgbClr val="FFFFFF"/>
+                </a:solidFill>
+              </a14:hiddenFill>
+            </a:ext>
+          </a:extLst>
+        </p:spPr>
+      </p:pic>
+    </p:spTree>
+    <p:extLst>
+      <p:ext uri="{BB962C8B-B14F-4D97-AF65-F5344CB8AC3E}">
+        <p14:creationId xmlns:p14="http://schemas.microsoft.com/office/powerpoint/2010/main" val="3604033453"/>
+      </p:ext>
+    </p:extLst>
+  </p:cSld>
+  <p:clrMapOvr>
+    <a:masterClrMapping/>
+  </p:clrMapOvr>
+</p:sld>
+</file>
+
+<file path=ppt/slides/slide17.xml><?xml version="1.0" encoding="utf-8"?>
+<p:sld xmlns:a="http://schemas.openxmlformats.org/drawingml/2006/main" xmlns:r="http://schemas.openxmlformats.org/officeDocument/2006/relationships" xmlns:p="http://schemas.openxmlformats.org/presentationml/2006/main">
+  <p:cSld>
+    <p:spTree>
+      <p:nvGrpSpPr>
+        <p:cNvPr id="1" name=""/>
+        <p:cNvGrpSpPr/>
+        <p:nvPr/>
+      </p:nvGrpSpPr>
+      <p:grpSpPr>
+        <a:xfrm>
+          <a:off x="0" y="0"/>
+          <a:ext cx="0" cy="0"/>
+          <a:chOff x="0" y="0"/>
+          <a:chExt cx="0" cy="0"/>
+        </a:xfrm>
+      </p:grpSpPr>
+      <p:sp>
+        <p:nvSpPr>
+          <p:cNvPr id="2" name="Title 1">
+            <a:extLst>
+              <a:ext uri="{FF2B5EF4-FFF2-40B4-BE49-F238E27FC236}">
+                <a16:creationId xmlns:a16="http://schemas.microsoft.com/office/drawing/2014/main" id="{566CF2E3-88D8-4E4E-8F46-54CAE0FE75A9}"/>
+              </a:ext>
+            </a:extLst>
+          </p:cNvPr>
+          <p:cNvSpPr>
+            <a:spLocks noGrp="1"/>
+          </p:cNvSpPr>
+          <p:nvPr>
+            <p:ph type="title"/>
+          </p:nvPr>
+        </p:nvSpPr>
+        <p:spPr/>
+        <p:txBody>
+          <a:bodyPr/>
+          <a:lstStyle/>
+          <a:p>
+            <a:r>
+              <a:rPr lang="en-US" dirty="0"/>
+              <a:t>Summarization Examples - 1997</a:t>
+            </a:r>
+          </a:p>
+        </p:txBody>
+      </p:sp>
+      <p:sp>
+        <p:nvSpPr>
+          <p:cNvPr id="4" name="Slide Number Placeholder 3">
+            <a:extLst>
+              <a:ext uri="{FF2B5EF4-FFF2-40B4-BE49-F238E27FC236}">
+                <a16:creationId xmlns:a16="http://schemas.microsoft.com/office/drawing/2014/main" id="{6E188721-D106-460C-919F-6A4A334BEA4F}"/>
+              </a:ext>
+            </a:extLst>
+          </p:cNvPr>
+          <p:cNvSpPr>
+            <a:spLocks noGrp="1"/>
+          </p:cNvSpPr>
+          <p:nvPr>
+            <p:ph type="sldNum" sz="quarter" idx="12"/>
+          </p:nvPr>
+        </p:nvSpPr>
+        <p:spPr/>
+        <p:txBody>
+          <a:bodyPr/>
+          <a:lstStyle/>
+          <a:p>
+            <a:fld id="{5DC5D36E-4BAD-40D5-85A5-CF97D1C61F58}" type="slidenum">
+              <a:rPr lang="en-US" smtClean="0"/>
+              <a:t>17</a:t>
+            </a:fld>
+            <a:endParaRPr lang="en-US"/>
+          </a:p>
+        </p:txBody>
+      </p:sp>
+      <p:pic>
+        <p:nvPicPr>
+          <p:cNvPr id="5" name="Picture 4">
+            <a:extLst>
+              <a:ext uri="{FF2B5EF4-FFF2-40B4-BE49-F238E27FC236}">
+                <a16:creationId xmlns:a16="http://schemas.microsoft.com/office/drawing/2014/main" id="{909B5F8D-9658-40F6-BE11-C235FFFBD0ED}"/>
+              </a:ext>
+            </a:extLst>
+          </p:cNvPr>
+          <p:cNvPicPr>
+            <a:picLocks noChangeAspect="1"/>
+          </p:cNvPicPr>
+          <p:nvPr/>
+        </p:nvPicPr>
+        <p:blipFill>
+          <a:blip r:embed="rId2"/>
+          <a:stretch>
+            <a:fillRect/>
+          </a:stretch>
+        </p:blipFill>
+        <p:spPr>
+          <a:xfrm>
+            <a:off x="695259" y="1521460"/>
+            <a:ext cx="6220243" cy="2430460"/>
+          </a:xfrm>
+          <a:prstGeom prst="rect">
+            <a:avLst/>
+          </a:prstGeom>
+        </p:spPr>
+      </p:pic>
+      <p:pic>
+        <p:nvPicPr>
+          <p:cNvPr id="7" name="Picture 6">
+            <a:extLst>
+              <a:ext uri="{FF2B5EF4-FFF2-40B4-BE49-F238E27FC236}">
+                <a16:creationId xmlns:a16="http://schemas.microsoft.com/office/drawing/2014/main" id="{87A40536-5FC8-464D-885B-641BECB0C81B}"/>
+              </a:ext>
+            </a:extLst>
+          </p:cNvPr>
+          <p:cNvPicPr>
+            <a:picLocks noChangeAspect="1"/>
+          </p:cNvPicPr>
+          <p:nvPr/>
+        </p:nvPicPr>
+        <p:blipFill>
+          <a:blip r:embed="rId3"/>
+          <a:stretch>
+            <a:fillRect/>
+          </a:stretch>
+        </p:blipFill>
+        <p:spPr>
+          <a:xfrm>
+            <a:off x="7039696" y="1871030"/>
+            <a:ext cx="4718144" cy="2872420"/>
+          </a:xfrm>
+          <a:prstGeom prst="rect">
+            <a:avLst/>
+          </a:prstGeom>
+        </p:spPr>
+      </p:pic>
+      <p:pic>
+        <p:nvPicPr>
+          <p:cNvPr id="8" name="Picture 7">
+            <a:extLst>
+              <a:ext uri="{FF2B5EF4-FFF2-40B4-BE49-F238E27FC236}">
+                <a16:creationId xmlns:a16="http://schemas.microsoft.com/office/drawing/2014/main" id="{ADCEACB2-A0D0-4ADF-A16D-FC3D72E1F26F}"/>
+              </a:ext>
+            </a:extLst>
+          </p:cNvPr>
+          <p:cNvPicPr>
+            <a:picLocks noChangeAspect="1"/>
+          </p:cNvPicPr>
+          <p:nvPr/>
+        </p:nvPicPr>
+        <p:blipFill>
+          <a:blip r:embed="rId4"/>
+          <a:stretch>
+            <a:fillRect/>
+          </a:stretch>
+        </p:blipFill>
+        <p:spPr>
+          <a:xfrm>
+            <a:off x="695259" y="4121310"/>
+            <a:ext cx="6252694" cy="1414300"/>
+          </a:xfrm>
+          <a:prstGeom prst="rect">
+            <a:avLst/>
+          </a:prstGeom>
+        </p:spPr>
+      </p:pic>
+    </p:spTree>
+    <p:extLst>
+      <p:ext uri="{BB962C8B-B14F-4D97-AF65-F5344CB8AC3E}">
+        <p14:creationId xmlns:p14="http://schemas.microsoft.com/office/powerpoint/2010/main" val="3469713732"/>
+      </p:ext>
+    </p:extLst>
+  </p:cSld>
+  <p:clrMapOvr>
+    <a:masterClrMapping/>
+  </p:clrMapOvr>
+</p:sld>
+</file>
+
+<file path=ppt/slides/slide18.xml><?xml version="1.0" encoding="utf-8"?>
+<p:sld xmlns:a="http://schemas.openxmlformats.org/drawingml/2006/main" xmlns:r="http://schemas.openxmlformats.org/officeDocument/2006/relationships" xmlns:p="http://schemas.openxmlformats.org/presentationml/2006/main">
+  <p:cSld>
+    <p:spTree>
+      <p:nvGrpSpPr>
+        <p:cNvPr id="1" name=""/>
+        <p:cNvGrpSpPr/>
+        <p:nvPr/>
+      </p:nvGrpSpPr>
+      <p:grpSpPr>
+        <a:xfrm>
+          <a:off x="0" y="0"/>
+          <a:ext cx="0" cy="0"/>
+          <a:chOff x="0" y="0"/>
+          <a:chExt cx="0" cy="0"/>
+        </a:xfrm>
+      </p:grpSpPr>
+      <p:sp>
+        <p:nvSpPr>
+          <p:cNvPr id="2" name="Title 1">
+            <a:extLst>
+              <a:ext uri="{FF2B5EF4-FFF2-40B4-BE49-F238E27FC236}">
+                <a16:creationId xmlns:a16="http://schemas.microsoft.com/office/drawing/2014/main" id="{8121C31A-464B-4B2B-BD96-B2C93F6683E5}"/>
+              </a:ext>
+            </a:extLst>
+          </p:cNvPr>
+          <p:cNvSpPr>
+            <a:spLocks noGrp="1"/>
+          </p:cNvSpPr>
+          <p:nvPr>
+            <p:ph type="title"/>
+          </p:nvPr>
+        </p:nvSpPr>
+        <p:spPr/>
+        <p:txBody>
+          <a:bodyPr/>
+          <a:lstStyle/>
+          <a:p>
+            <a:r>
+              <a:rPr lang="en-US" dirty="0"/>
+              <a:t>Summarization of Corpus (Milestone II)</a:t>
+            </a:r>
+          </a:p>
+        </p:txBody>
+      </p:sp>
+      <p:sp>
+        <p:nvSpPr>
+          <p:cNvPr id="3" name="Content Placeholder 2">
+            <a:extLst>
+              <a:ext uri="{FF2B5EF4-FFF2-40B4-BE49-F238E27FC236}">
+                <a16:creationId xmlns:a16="http://schemas.microsoft.com/office/drawing/2014/main" id="{DB8E43CF-B8AF-4354-A5BE-D20A999A8BB9}"/>
+              </a:ext>
+            </a:extLst>
+          </p:cNvPr>
+          <p:cNvSpPr>
+            <a:spLocks noGrp="1"/>
+          </p:cNvSpPr>
+          <p:nvPr>
+            <p:ph idx="1"/>
+          </p:nvPr>
+        </p:nvSpPr>
+        <p:spPr/>
+        <p:txBody>
+          <a:bodyPr/>
+          <a:lstStyle/>
+          <a:p>
+            <a:endParaRPr lang="en-US"/>
+          </a:p>
+        </p:txBody>
+      </p:sp>
+      <p:sp>
+        <p:nvSpPr>
+          <p:cNvPr id="4" name="Slide Number Placeholder 3">
+            <a:extLst>
+              <a:ext uri="{FF2B5EF4-FFF2-40B4-BE49-F238E27FC236}">
+                <a16:creationId xmlns:a16="http://schemas.microsoft.com/office/drawing/2014/main" id="{F59F0957-E468-494E-BADE-10255F779EEF}"/>
+              </a:ext>
+            </a:extLst>
+          </p:cNvPr>
+          <p:cNvSpPr>
+            <a:spLocks noGrp="1"/>
+          </p:cNvSpPr>
+          <p:nvPr>
+            <p:ph type="sldNum" sz="quarter" idx="12"/>
+          </p:nvPr>
+        </p:nvSpPr>
+        <p:spPr/>
+        <p:txBody>
+          <a:bodyPr/>
+          <a:lstStyle/>
+          <a:p>
+            <a:fld id="{5DC5D36E-4BAD-40D5-85A5-CF97D1C61F58}" type="slidenum">
+              <a:rPr lang="en-US" smtClean="0"/>
+              <a:t>18</a:t>
+            </a:fld>
+            <a:endParaRPr lang="en-US"/>
+          </a:p>
+        </p:txBody>
+      </p:sp>
+    </p:spTree>
+    <p:extLst>
+      <p:ext uri="{BB962C8B-B14F-4D97-AF65-F5344CB8AC3E}">
+        <p14:creationId xmlns:p14="http://schemas.microsoft.com/office/powerpoint/2010/main" val="3463256761"/>
+      </p:ext>
+    </p:extLst>
+  </p:cSld>
+  <p:clrMapOvr>
+    <a:masterClrMapping/>
+  </p:clrMapOvr>
+</p:sld>
+</file>
+
+<file path=ppt/slides/slide19.xml><?xml version="1.0" encoding="utf-8"?>
+<p:sld xmlns:a="http://schemas.openxmlformats.org/drawingml/2006/main" xmlns:r="http://schemas.openxmlformats.org/officeDocument/2006/relationships" xmlns:p="http://schemas.openxmlformats.org/presentationml/2006/main">
+  <p:cSld>
+    <p:spTree>
+      <p:nvGrpSpPr>
+        <p:cNvPr id="1" name=""/>
+        <p:cNvGrpSpPr/>
+        <p:nvPr/>
+      </p:nvGrpSpPr>
+      <p:grpSpPr>
+        <a:xfrm>
+          <a:off x="0" y="0"/>
+          <a:ext cx="0" cy="0"/>
+          <a:chOff x="0" y="0"/>
+          <a:chExt cx="0" cy="0"/>
+        </a:xfrm>
+      </p:grpSpPr>
+      <p:sp>
+        <p:nvSpPr>
+          <p:cNvPr id="2" name="Title 1">
+            <a:extLst>
+              <a:ext uri="{FF2B5EF4-FFF2-40B4-BE49-F238E27FC236}">
                 <a16:creationId xmlns:a16="http://schemas.microsoft.com/office/drawing/2014/main" id="{47FE42DF-390D-4477-A732-0DC7B74015BD}"/>
               </a:ext>
             </a:extLst>
@@ -3922,6 +5148,35 @@
           <a:bodyPr/>
           <a:lstStyle/>
           <a:p>
+            <a:endParaRPr lang="en-US"/>
+          </a:p>
+        </p:txBody>
+      </p:sp>
+      <p:sp>
+        <p:nvSpPr>
+          <p:cNvPr id="4" name="Slide Number Placeholder 3">
+            <a:extLst>
+              <a:ext uri="{FF2B5EF4-FFF2-40B4-BE49-F238E27FC236}">
+                <a16:creationId xmlns:a16="http://schemas.microsoft.com/office/drawing/2014/main" id="{8BD189FC-F641-4C93-8900-B602B38DC987}"/>
+              </a:ext>
+            </a:extLst>
+          </p:cNvPr>
+          <p:cNvSpPr>
+            <a:spLocks noGrp="1"/>
+          </p:cNvSpPr>
+          <p:nvPr>
+            <p:ph type="sldNum" sz="quarter" idx="12"/>
+          </p:nvPr>
+        </p:nvSpPr>
+        <p:spPr/>
+        <p:txBody>
+          <a:bodyPr/>
+          <a:lstStyle/>
+          <a:p>
+            <a:fld id="{5DC5D36E-4BAD-40D5-85A5-CF97D1C61F58}" type="slidenum">
+              <a:rPr lang="en-US" smtClean="0"/>
+              <a:t>19</a:t>
+            </a:fld>
             <a:endParaRPr lang="en-US"/>
           </a:p>
         </p:txBody>
@@ -4054,6 +5309,35 @@
           </a:p>
         </p:txBody>
       </p:sp>
+      <p:sp>
+        <p:nvSpPr>
+          <p:cNvPr id="4" name="Slide Number Placeholder 3">
+            <a:extLst>
+              <a:ext uri="{FF2B5EF4-FFF2-40B4-BE49-F238E27FC236}">
+                <a16:creationId xmlns:a16="http://schemas.microsoft.com/office/drawing/2014/main" id="{F3B9A581-A4D3-41E5-9AC8-FAF392A74975}"/>
+              </a:ext>
+            </a:extLst>
+          </p:cNvPr>
+          <p:cNvSpPr>
+            <a:spLocks noGrp="1"/>
+          </p:cNvSpPr>
+          <p:nvPr>
+            <p:ph type="sldNum" sz="quarter" idx="12"/>
+          </p:nvPr>
+        </p:nvSpPr>
+        <p:spPr/>
+        <p:txBody>
+          <a:bodyPr/>
+          <a:lstStyle/>
+          <a:p>
+            <a:fld id="{5DC5D36E-4BAD-40D5-85A5-CF97D1C61F58}" type="slidenum">
+              <a:rPr lang="en-US" smtClean="0"/>
+              <a:t>2</a:t>
+            </a:fld>
+            <a:endParaRPr lang="en-US"/>
+          </a:p>
+        </p:txBody>
+      </p:sp>
     </p:spTree>
     <p:extLst>
       <p:ext uri="{BB962C8B-B14F-4D97-AF65-F5344CB8AC3E}">
@@ -4164,6 +5448,35 @@
           </a:p>
         </p:txBody>
       </p:sp>
+      <p:sp>
+        <p:nvSpPr>
+          <p:cNvPr id="4" name="Slide Number Placeholder 3">
+            <a:extLst>
+              <a:ext uri="{FF2B5EF4-FFF2-40B4-BE49-F238E27FC236}">
+                <a16:creationId xmlns:a16="http://schemas.microsoft.com/office/drawing/2014/main" id="{5EAF49FF-7DF6-42D6-AD8F-1ACCE16AC0A6}"/>
+              </a:ext>
+            </a:extLst>
+          </p:cNvPr>
+          <p:cNvSpPr>
+            <a:spLocks noGrp="1"/>
+          </p:cNvSpPr>
+          <p:nvPr>
+            <p:ph type="sldNum" sz="quarter" idx="12"/>
+          </p:nvPr>
+        </p:nvSpPr>
+        <p:spPr/>
+        <p:txBody>
+          <a:bodyPr/>
+          <a:lstStyle/>
+          <a:p>
+            <a:fld id="{5DC5D36E-4BAD-40D5-85A5-CF97D1C61F58}" type="slidenum">
+              <a:rPr lang="en-US" smtClean="0"/>
+              <a:t>3</a:t>
+            </a:fld>
+            <a:endParaRPr lang="en-US"/>
+          </a:p>
+        </p:txBody>
+      </p:sp>
     </p:spTree>
     <p:extLst>
       <p:ext uri="{BB962C8B-B14F-4D97-AF65-F5344CB8AC3E}">
@@ -4288,6 +5601,35 @@
           </a:p>
         </p:txBody>
       </p:sp>
+      <p:sp>
+        <p:nvSpPr>
+          <p:cNvPr id="4" name="Slide Number Placeholder 3">
+            <a:extLst>
+              <a:ext uri="{FF2B5EF4-FFF2-40B4-BE49-F238E27FC236}">
+                <a16:creationId xmlns:a16="http://schemas.microsoft.com/office/drawing/2014/main" id="{93118548-12E1-4D08-8C42-7193E67A6A23}"/>
+              </a:ext>
+            </a:extLst>
+          </p:cNvPr>
+          <p:cNvSpPr>
+            <a:spLocks noGrp="1"/>
+          </p:cNvSpPr>
+          <p:nvPr>
+            <p:ph type="sldNum" sz="quarter" idx="12"/>
+          </p:nvPr>
+        </p:nvSpPr>
+        <p:spPr/>
+        <p:txBody>
+          <a:bodyPr/>
+          <a:lstStyle/>
+          <a:p>
+            <a:fld id="{5DC5D36E-4BAD-40D5-85A5-CF97D1C61F58}" type="slidenum">
+              <a:rPr lang="en-US" smtClean="0"/>
+              <a:t>4</a:t>
+            </a:fld>
+            <a:endParaRPr lang="en-US"/>
+          </a:p>
+        </p:txBody>
+      </p:sp>
     </p:spTree>
     <p:extLst>
       <p:ext uri="{BB962C8B-B14F-4D97-AF65-F5344CB8AC3E}">
@@ -4378,6 +5720,35 @@
           </a:prstGeom>
         </p:spPr>
       </p:pic>
+      <p:sp>
+        <p:nvSpPr>
+          <p:cNvPr id="3" name="Slide Number Placeholder 2">
+            <a:extLst>
+              <a:ext uri="{FF2B5EF4-FFF2-40B4-BE49-F238E27FC236}">
+                <a16:creationId xmlns:a16="http://schemas.microsoft.com/office/drawing/2014/main" id="{47F6570C-7FFD-4A05-8EC6-833E6D10665D}"/>
+              </a:ext>
+            </a:extLst>
+          </p:cNvPr>
+          <p:cNvSpPr>
+            <a:spLocks noGrp="1"/>
+          </p:cNvSpPr>
+          <p:nvPr>
+            <p:ph type="sldNum" sz="quarter" idx="12"/>
+          </p:nvPr>
+        </p:nvSpPr>
+        <p:spPr/>
+        <p:txBody>
+          <a:bodyPr/>
+          <a:lstStyle/>
+          <a:p>
+            <a:fld id="{5DC5D36E-4BAD-40D5-85A5-CF97D1C61F58}" type="slidenum">
+              <a:rPr lang="en-US" smtClean="0"/>
+              <a:t>5</a:t>
+            </a:fld>
+            <a:endParaRPr lang="en-US"/>
+          </a:p>
+        </p:txBody>
+      </p:sp>
     </p:spTree>
     <p:extLst>
       <p:ext uri="{BB962C8B-B14F-4D97-AF65-F5344CB8AC3E}">
@@ -4468,6 +5839,35 @@
           </a:prstGeom>
         </p:spPr>
       </p:pic>
+      <p:sp>
+        <p:nvSpPr>
+          <p:cNvPr id="3" name="Slide Number Placeholder 2">
+            <a:extLst>
+              <a:ext uri="{FF2B5EF4-FFF2-40B4-BE49-F238E27FC236}">
+                <a16:creationId xmlns:a16="http://schemas.microsoft.com/office/drawing/2014/main" id="{DE925E34-4DC6-4EFF-8D81-4F73667A6AA8}"/>
+              </a:ext>
+            </a:extLst>
+          </p:cNvPr>
+          <p:cNvSpPr>
+            <a:spLocks noGrp="1"/>
+          </p:cNvSpPr>
+          <p:nvPr>
+            <p:ph type="sldNum" sz="quarter" idx="12"/>
+          </p:nvPr>
+        </p:nvSpPr>
+        <p:spPr/>
+        <p:txBody>
+          <a:bodyPr/>
+          <a:lstStyle/>
+          <a:p>
+            <a:fld id="{5DC5D36E-4BAD-40D5-85A5-CF97D1C61F58}" type="slidenum">
+              <a:rPr lang="en-US" smtClean="0"/>
+              <a:t>6</a:t>
+            </a:fld>
+            <a:endParaRPr lang="en-US"/>
+          </a:p>
+        </p:txBody>
+      </p:sp>
     </p:spTree>
     <p:extLst>
       <p:ext uri="{BB962C8B-B14F-4D97-AF65-F5344CB8AC3E}">
@@ -4560,6 +5960,35 @@
           </a:prstGeom>
         </p:spPr>
       </p:pic>
+      <p:sp>
+        <p:nvSpPr>
+          <p:cNvPr id="3" name="Slide Number Placeholder 2">
+            <a:extLst>
+              <a:ext uri="{FF2B5EF4-FFF2-40B4-BE49-F238E27FC236}">
+                <a16:creationId xmlns:a16="http://schemas.microsoft.com/office/drawing/2014/main" id="{6416282B-3666-4902-A3D4-1D8A6CA68AA5}"/>
+              </a:ext>
+            </a:extLst>
+          </p:cNvPr>
+          <p:cNvSpPr>
+            <a:spLocks noGrp="1"/>
+          </p:cNvSpPr>
+          <p:nvPr>
+            <p:ph type="sldNum" sz="quarter" idx="12"/>
+          </p:nvPr>
+        </p:nvSpPr>
+        <p:spPr/>
+        <p:txBody>
+          <a:bodyPr/>
+          <a:lstStyle/>
+          <a:p>
+            <a:fld id="{5DC5D36E-4BAD-40D5-85A5-CF97D1C61F58}" type="slidenum">
+              <a:rPr lang="en-US" smtClean="0"/>
+              <a:t>7</a:t>
+            </a:fld>
+            <a:endParaRPr lang="en-US"/>
+          </a:p>
+        </p:txBody>
+      </p:sp>
     </p:spTree>
     <p:extLst>
       <p:ext uri="{BB962C8B-B14F-4D97-AF65-F5344CB8AC3E}">
@@ -4613,7 +6042,7 @@
           <a:p>
             <a:r>
               <a:rPr lang="en-US" dirty="0"/>
-              <a:t>Preprocessing Data: Clean Tables</a:t>
+              <a:t>Preprocessing Data: Other Steps (will expand for Capstone II)</a:t>
             </a:r>
           </a:p>
         </p:txBody>
@@ -4641,11 +6070,52 @@
           <a:p>
             <a:r>
               <a:rPr lang="en-US" dirty="0"/>
-              <a:t>Cleaning text in tables (will show before / after by Sunday)</a:t>
+              <a:t>Cleaning text in tables</a:t>
+            </a:r>
+          </a:p>
+          <a:p>
+            <a:r>
+              <a:rPr lang="en-US" dirty="0"/>
+              <a:t>Getting rid of non-breaking spaces</a:t>
+            </a:r>
+          </a:p>
+          <a:p>
+            <a:r>
+              <a:rPr lang="en-US" dirty="0"/>
+              <a:t>Getting rid of Unicode characters</a:t>
             </a:r>
           </a:p>
           <a:p>
             <a:endParaRPr lang="en-US" dirty="0"/>
+          </a:p>
+        </p:txBody>
+      </p:sp>
+      <p:sp>
+        <p:nvSpPr>
+          <p:cNvPr id="4" name="Slide Number Placeholder 3">
+            <a:extLst>
+              <a:ext uri="{FF2B5EF4-FFF2-40B4-BE49-F238E27FC236}">
+                <a16:creationId xmlns:a16="http://schemas.microsoft.com/office/drawing/2014/main" id="{2861D8FD-2C9E-4006-A1F1-14FF4E7703BC}"/>
+              </a:ext>
+            </a:extLst>
+          </p:cNvPr>
+          <p:cNvSpPr>
+            <a:spLocks noGrp="1"/>
+          </p:cNvSpPr>
+          <p:nvPr>
+            <p:ph type="sldNum" sz="quarter" idx="12"/>
+          </p:nvPr>
+        </p:nvSpPr>
+        <p:spPr/>
+        <p:txBody>
+          <a:bodyPr/>
+          <a:lstStyle/>
+          <a:p>
+            <a:fld id="{5DC5D36E-4BAD-40D5-85A5-CF97D1C61F58}" type="slidenum">
+              <a:rPr lang="en-US" smtClean="0"/>
+              <a:t>8</a:t>
+            </a:fld>
+            <a:endParaRPr lang="en-US"/>
           </a:p>
         </p:txBody>
       </p:sp>
@@ -4707,27 +6177,78 @@
           </a:p>
         </p:txBody>
       </p:sp>
-      <p:sp>
-        <p:nvSpPr>
-          <p:cNvPr id="3" name="Content Placeholder 2">
-            <a:extLst>
-              <a:ext uri="{FF2B5EF4-FFF2-40B4-BE49-F238E27FC236}">
-                <a16:creationId xmlns:a16="http://schemas.microsoft.com/office/drawing/2014/main" id="{9BBE1937-587D-460A-8E83-8594C517F975}"/>
-              </a:ext>
-            </a:extLst>
-          </p:cNvPr>
-          <p:cNvSpPr>
-            <a:spLocks noGrp="1"/>
-          </p:cNvSpPr>
-          <p:nvPr>
-            <p:ph idx="1"/>
-          </p:nvPr>
-        </p:nvSpPr>
-        <p:spPr/>
-        <p:txBody>
-          <a:bodyPr/>
-          <a:lstStyle/>
-          <a:p>
+      <p:pic>
+        <p:nvPicPr>
+          <p:cNvPr id="1026" name="Picture 2">
+            <a:extLst>
+              <a:ext uri="{FF2B5EF4-FFF2-40B4-BE49-F238E27FC236}">
+                <a16:creationId xmlns:a16="http://schemas.microsoft.com/office/drawing/2014/main" id="{AF0B1CE2-192F-428B-877E-7F33B426023F}"/>
+              </a:ext>
+            </a:extLst>
+          </p:cNvPr>
+          <p:cNvPicPr>
+            <a:picLocks noChangeAspect="1" noChangeArrowheads="1"/>
+          </p:cNvPicPr>
+          <p:nvPr/>
+        </p:nvPicPr>
+        <p:blipFill>
+          <a:blip r:embed="rId2">
+            <a:extLst>
+              <a:ext uri="{28A0092B-C50C-407E-A947-70E740481C1C}">
+                <a14:useLocalDpi xmlns:a14="http://schemas.microsoft.com/office/drawing/2010/main" val="0"/>
+              </a:ext>
+            </a:extLst>
+          </a:blip>
+          <a:srcRect/>
+          <a:stretch>
+            <a:fillRect/>
+          </a:stretch>
+        </p:blipFill>
+        <p:spPr bwMode="auto">
+          <a:xfrm>
+            <a:off x="1571625" y="1864914"/>
+            <a:ext cx="9048750" cy="4419600"/>
+          </a:xfrm>
+          <a:prstGeom prst="rect">
+            <a:avLst/>
+          </a:prstGeom>
+          <a:noFill/>
+          <a:extLst>
+            <a:ext uri="{909E8E84-426E-40DD-AFC4-6F175D3DCCD1}">
+              <a14:hiddenFill xmlns:a14="http://schemas.microsoft.com/office/drawing/2010/main">
+                <a:solidFill>
+                  <a:srgbClr val="FFFFFF"/>
+                </a:solidFill>
+              </a14:hiddenFill>
+            </a:ext>
+          </a:extLst>
+        </p:spPr>
+      </p:pic>
+      <p:sp>
+        <p:nvSpPr>
+          <p:cNvPr id="5" name="Slide Number Placeholder 4">
+            <a:extLst>
+              <a:ext uri="{FF2B5EF4-FFF2-40B4-BE49-F238E27FC236}">
+                <a16:creationId xmlns:a16="http://schemas.microsoft.com/office/drawing/2014/main" id="{3860D260-86C7-49CD-B908-14F69C1DA6F5}"/>
+              </a:ext>
+            </a:extLst>
+          </p:cNvPr>
+          <p:cNvSpPr>
+            <a:spLocks noGrp="1"/>
+          </p:cNvSpPr>
+          <p:nvPr>
+            <p:ph type="sldNum" sz="quarter" idx="12"/>
+          </p:nvPr>
+        </p:nvSpPr>
+        <p:spPr/>
+        <p:txBody>
+          <a:bodyPr/>
+          <a:lstStyle/>
+          <a:p>
+            <a:fld id="{5DC5D36E-4BAD-40D5-85A5-CF97D1C61F58}" type="slidenum">
+              <a:rPr lang="en-US" smtClean="0"/>
+              <a:t>9</a:t>
+            </a:fld>
             <a:endParaRPr lang="en-US"/>
           </a:p>
         </p:txBody>
@@ -4944,4 +6465,299 @@
     </a:ext>
   </a:extLst>
 </a:theme>
+</file>
+
+<file path=ppt/theme/theme2.xml><?xml version="1.0" encoding="utf-8"?>
+<a:theme xmlns:a="http://schemas.openxmlformats.org/drawingml/2006/main" name="Office Theme">
+  <a:themeElements>
+    <a:clrScheme name="Office">
+      <a:dk1>
+        <a:sysClr val="windowText" lastClr="000000"/>
+      </a:dk1>
+      <a:lt1>
+        <a:sysClr val="window" lastClr="FFFFFF"/>
+      </a:lt1>
+      <a:dk2>
+        <a:srgbClr val="44546A"/>
+      </a:dk2>
+      <a:lt2>
+        <a:srgbClr val="E7E6E6"/>
+      </a:lt2>
+      <a:accent1>
+        <a:srgbClr val="4472C4"/>
+      </a:accent1>
+      <a:accent2>
+        <a:srgbClr val="ED7D31"/>
+      </a:accent2>
+      <a:accent3>
+        <a:srgbClr val="A5A5A5"/>
+      </a:accent3>
+      <a:accent4>
+        <a:srgbClr val="FFC000"/>
+      </a:accent4>
+      <a:accent5>
+        <a:srgbClr val="5B9BD5"/>
+      </a:accent5>
+      <a:accent6>
+        <a:srgbClr val="70AD47"/>
+      </a:accent6>
+      <a:hlink>
+        <a:srgbClr val="0563C1"/>
+      </a:hlink>
+      <a:folHlink>
+        <a:srgbClr val="954F72"/>
+      </a:folHlink>
+    </a:clrScheme>
+    <a:fontScheme name="Office">
+      <a:majorFont>
+        <a:latin typeface="Calibri Light" panose="020F0302020204030204"/>
+        <a:ea typeface=""/>
+        <a:cs typeface=""/>
+        <a:font script="Jpan" typeface="游ゴシック Light"/>
+        <a:font script="Hang" typeface="맑은 고딕"/>
+        <a:font script="Hans" typeface="等线 Light"/>
+        <a:font script="Hant" typeface="新細明體"/>
+        <a:font script="Arab" typeface="Times New Roman"/>
+        <a:font script="Hebr" typeface="Times New Roman"/>
+        <a:font script="Thai" typeface="Angsana New"/>
+        <a:font script="Ethi" typeface="Nyala"/>
+        <a:font script="Beng" typeface="Vrinda"/>
+        <a:font script="Gujr" typeface="Shruti"/>
+        <a:font script="Khmr" typeface="MoolBoran"/>
+        <a:font script="Knda" typeface="Tunga"/>
+        <a:font script="Guru" typeface="Raavi"/>
+        <a:font script="Cans" typeface="Euphemia"/>
+        <a:font script="Cher" typeface="Plantagenet Cherokee"/>
+        <a:font script="Yiii" typeface="Microsoft Yi Baiti"/>
+        <a:font script="Tibt" typeface="Microsoft Himalaya"/>
+        <a:font script="Thaa" typeface="MV Boli"/>
+        <a:font script="Deva" typeface="Mangal"/>
+        <a:font script="Telu" typeface="Gautami"/>
+        <a:font script="Taml" typeface="Latha"/>
+        <a:font script="Syrc" typeface="Estrangelo Edessa"/>
+        <a:font script="Orya" typeface="Kalinga"/>
+        <a:font script="Mlym" typeface="Kartika"/>
+        <a:font script="Laoo" typeface="DokChampa"/>
+        <a:font script="Sinh" typeface="Iskoola Pota"/>
+        <a:font script="Mong" typeface="Mongolian Baiti"/>
+        <a:font script="Viet" typeface="Times New Roman"/>
+        <a:font script="Uigh" typeface="Microsoft Uighur"/>
+        <a:font script="Geor" typeface="Sylfaen"/>
+        <a:font script="Armn" typeface="Arial"/>
+        <a:font script="Bugi" typeface="Leelawadee UI"/>
+        <a:font script="Bopo" typeface="Microsoft JhengHei"/>
+        <a:font script="Java" typeface="Javanese Text"/>
+        <a:font script="Lisu" typeface="Segoe UI"/>
+        <a:font script="Mymr" typeface="Myanmar Text"/>
+        <a:font script="Nkoo" typeface="Ebrima"/>
+        <a:font script="Olck" typeface="Nirmala UI"/>
+        <a:font script="Osma" typeface="Ebrima"/>
+        <a:font script="Phag" typeface="Phagspa"/>
+        <a:font script="Syrn" typeface="Estrangelo Edessa"/>
+        <a:font script="Syrj" typeface="Estrangelo Edessa"/>
+        <a:font script="Syre" typeface="Estrangelo Edessa"/>
+        <a:font script="Sora" typeface="Nirmala UI"/>
+        <a:font script="Tale" typeface="Microsoft Tai Le"/>
+        <a:font script="Talu" typeface="Microsoft New Tai Lue"/>
+        <a:font script="Tfng" typeface="Ebrima"/>
+      </a:majorFont>
+      <a:minorFont>
+        <a:latin typeface="Calibri" panose="020F0502020204030204"/>
+        <a:ea typeface=""/>
+        <a:cs typeface=""/>
+        <a:font script="Jpan" typeface="游ゴシック"/>
+        <a:font script="Hang" typeface="맑은 고딕"/>
+        <a:font script="Hans" typeface="等线"/>
+        <a:font script="Hant" typeface="新細明體"/>
+        <a:font script="Arab" typeface="Arial"/>
+        <a:font script="Hebr" typeface="Arial"/>
+        <a:font script="Thai" typeface="Cordia New"/>
+        <a:font script="Ethi" typeface="Nyala"/>
+        <a:font script="Beng" typeface="Vrinda"/>
+        <a:font script="Gujr" typeface="Shruti"/>
+        <a:font script="Khmr" typeface="DaunPenh"/>
+        <a:font script="Knda" typeface="Tunga"/>
+        <a:font script="Guru" typeface="Raavi"/>
+        <a:font script="Cans" typeface="Euphemia"/>
+        <a:font script="Cher" typeface="Plantagenet Cherokee"/>
+        <a:font script="Yiii" typeface="Microsoft Yi Baiti"/>
+        <a:font script="Tibt" typeface="Microsoft Himalaya"/>
+        <a:font script="Thaa" typeface="MV Boli"/>
+        <a:font script="Deva" typeface="Mangal"/>
+        <a:font script="Telu" typeface="Gautami"/>
+        <a:font script="Taml" typeface="Latha"/>
+        <a:font script="Syrc" typeface="Estrangelo Edessa"/>
+        <a:font script="Orya" typeface="Kalinga"/>
+        <a:font script="Mlym" typeface="Kartika"/>
+        <a:font script="Laoo" typeface="DokChampa"/>
+        <a:font script="Sinh" typeface="Iskoola Pota"/>
+        <a:font script="Mong" typeface="Mongolian Baiti"/>
+        <a:font script="Viet" typeface="Arial"/>
+        <a:font script="Uigh" typeface="Microsoft Uighur"/>
+        <a:font script="Geor" typeface="Sylfaen"/>
+        <a:font script="Armn" typeface="Arial"/>
+        <a:font script="Bugi" typeface="Leelawadee UI"/>
+        <a:font script="Bopo" typeface="Microsoft JhengHei"/>
+        <a:font script="Java" typeface="Javanese Text"/>
+        <a:font script="Lisu" typeface="Segoe UI"/>
+        <a:font script="Mymr" typeface="Myanmar Text"/>
+        <a:font script="Nkoo" typeface="Ebrima"/>
+        <a:font script="Olck" typeface="Nirmala UI"/>
+        <a:font script="Osma" typeface="Ebrima"/>
+        <a:font script="Phag" typeface="Phagspa"/>
+        <a:font script="Syrn" typeface="Estrangelo Edessa"/>
+        <a:font script="Syrj" typeface="Estrangelo Edessa"/>
+        <a:font script="Syre" typeface="Estrangelo Edessa"/>
+        <a:font script="Sora" typeface="Nirmala UI"/>
+        <a:font script="Tale" typeface="Microsoft Tai Le"/>
+        <a:font script="Talu" typeface="Microsoft New Tai Lue"/>
+        <a:font script="Tfng" typeface="Ebrima"/>
+      </a:minorFont>
+    </a:fontScheme>
+    <a:fmtScheme name="Office">
+      <a:fillStyleLst>
+        <a:solidFill>
+          <a:schemeClr val="phClr"/>
+        </a:solidFill>
+        <a:gradFill rotWithShape="1">
+          <a:gsLst>
+            <a:gs pos="0">
+              <a:schemeClr val="phClr">
+                <a:lumMod val="110000"/>
+                <a:satMod val="105000"/>
+                <a:tint val="67000"/>
+              </a:schemeClr>
+            </a:gs>
+            <a:gs pos="50000">
+              <a:schemeClr val="phClr">
+                <a:lumMod val="105000"/>
+                <a:satMod val="103000"/>
+                <a:tint val="73000"/>
+              </a:schemeClr>
+            </a:gs>
+            <a:gs pos="100000">
+              <a:schemeClr val="phClr">
+                <a:lumMod val="105000"/>
+                <a:satMod val="109000"/>
+                <a:tint val="81000"/>
+              </a:schemeClr>
+            </a:gs>
+          </a:gsLst>
+          <a:lin ang="5400000" scaled="0"/>
+        </a:gradFill>
+        <a:gradFill rotWithShape="1">
+          <a:gsLst>
+            <a:gs pos="0">
+              <a:schemeClr val="phClr">
+                <a:satMod val="103000"/>
+                <a:lumMod val="102000"/>
+                <a:tint val="94000"/>
+              </a:schemeClr>
+            </a:gs>
+            <a:gs pos="50000">
+              <a:schemeClr val="phClr">
+                <a:satMod val="110000"/>
+                <a:lumMod val="100000"/>
+                <a:shade val="100000"/>
+              </a:schemeClr>
+            </a:gs>
+            <a:gs pos="100000">
+              <a:schemeClr val="phClr">
+                <a:lumMod val="99000"/>
+                <a:satMod val="120000"/>
+                <a:shade val="78000"/>
+              </a:schemeClr>
+            </a:gs>
+          </a:gsLst>
+          <a:lin ang="5400000" scaled="0"/>
+        </a:gradFill>
+      </a:fillStyleLst>
+      <a:lnStyleLst>
+        <a:ln w="6350" cap="flat" cmpd="sng" algn="ctr">
+          <a:solidFill>
+            <a:schemeClr val="phClr"/>
+          </a:solidFill>
+          <a:prstDash val="solid"/>
+          <a:miter lim="800000"/>
+        </a:ln>
+        <a:ln w="12700" cap="flat" cmpd="sng" algn="ctr">
+          <a:solidFill>
+            <a:schemeClr val="phClr"/>
+          </a:solidFill>
+          <a:prstDash val="solid"/>
+          <a:miter lim="800000"/>
+        </a:ln>
+        <a:ln w="19050" cap="flat" cmpd="sng" algn="ctr">
+          <a:solidFill>
+            <a:schemeClr val="phClr"/>
+          </a:solidFill>
+          <a:prstDash val="solid"/>
+          <a:miter lim="800000"/>
+        </a:ln>
+      </a:lnStyleLst>
+      <a:effectStyleLst>
+        <a:effectStyle>
+          <a:effectLst/>
+        </a:effectStyle>
+        <a:effectStyle>
+          <a:effectLst/>
+        </a:effectStyle>
+        <a:effectStyle>
+          <a:effectLst>
+            <a:outerShdw blurRad="57150" dist="19050" dir="5400000" algn="ctr" rotWithShape="0">
+              <a:srgbClr val="000000">
+                <a:alpha val="63000"/>
+              </a:srgbClr>
+            </a:outerShdw>
+          </a:effectLst>
+        </a:effectStyle>
+      </a:effectStyleLst>
+      <a:bgFillStyleLst>
+        <a:solidFill>
+          <a:schemeClr val="phClr"/>
+        </a:solidFill>
+        <a:solidFill>
+          <a:schemeClr val="phClr">
+            <a:tint val="95000"/>
+            <a:satMod val="170000"/>
+          </a:schemeClr>
+        </a:solidFill>
+        <a:gradFill rotWithShape="1">
+          <a:gsLst>
+            <a:gs pos="0">
+              <a:schemeClr val="phClr">
+                <a:tint val="93000"/>
+                <a:satMod val="150000"/>
+                <a:shade val="98000"/>
+                <a:lumMod val="102000"/>
+              </a:schemeClr>
+            </a:gs>
+            <a:gs pos="50000">
+              <a:schemeClr val="phClr">
+                <a:tint val="98000"/>
+                <a:satMod val="130000"/>
+                <a:shade val="90000"/>
+                <a:lumMod val="103000"/>
+              </a:schemeClr>
+            </a:gs>
+            <a:gs pos="100000">
+              <a:schemeClr val="phClr">
+                <a:shade val="63000"/>
+                <a:satMod val="120000"/>
+              </a:schemeClr>
+            </a:gs>
+          </a:gsLst>
+          <a:lin ang="5400000" scaled="0"/>
+        </a:gradFill>
+      </a:bgFillStyleLst>
+    </a:fmtScheme>
+  </a:themeElements>
+  <a:objectDefaults/>
+  <a:extraClrSchemeLst/>
+  <a:extLst>
+    <a:ext uri="{05A4C25C-085E-4340-85A3-A5531E510DB2}">
+      <thm15:themeFamily xmlns:thm15="http://schemas.microsoft.com/office/thememl/2012/main" name="Office Theme" id="{62F939B6-93AF-4DB8-9C6B-D6C7DFDC589F}" vid="{4A3C46E8-61CC-4603-A589-7422A47A8E4A}"/>
+    </a:ext>
+  </a:extLst>
+</a:theme>
 </file>
--- a/Buffett_Topic_Analysis.pptx
+++ b/Buffett_Topic_Analysis.pptx
@@ -5,7 +5,7 @@
     <p:sldMasterId id="2147483648" r:id="rId1"/>
   </p:sldMasterIdLst>
   <p:notesMasterIdLst>
-    <p:notesMasterId r:id="rId21"/>
+    <p:notesMasterId r:id="rId20"/>
   </p:notesMasterIdLst>
   <p:sldIdLst>
     <p:sldId id="256" r:id="rId2"/>
@@ -16,17 +16,16 @@
     <p:sldId id="268" r:id="rId7"/>
     <p:sldId id="269" r:id="rId8"/>
     <p:sldId id="270" r:id="rId9"/>
-    <p:sldId id="264" r:id="rId10"/>
-    <p:sldId id="271" r:id="rId11"/>
-    <p:sldId id="272" r:id="rId12"/>
-    <p:sldId id="273" r:id="rId13"/>
-    <p:sldId id="261" r:id="rId14"/>
-    <p:sldId id="262" r:id="rId15"/>
-    <p:sldId id="263" r:id="rId16"/>
-    <p:sldId id="274" r:id="rId17"/>
-    <p:sldId id="265" r:id="rId18"/>
-    <p:sldId id="266" r:id="rId19"/>
-    <p:sldId id="267" r:id="rId20"/>
+    <p:sldId id="271" r:id="rId10"/>
+    <p:sldId id="272" r:id="rId11"/>
+    <p:sldId id="273" r:id="rId12"/>
+    <p:sldId id="261" r:id="rId13"/>
+    <p:sldId id="262" r:id="rId14"/>
+    <p:sldId id="263" r:id="rId15"/>
+    <p:sldId id="274" r:id="rId16"/>
+    <p:sldId id="265" r:id="rId17"/>
+    <p:sldId id="266" r:id="rId18"/>
+    <p:sldId id="267" r:id="rId19"/>
   </p:sldIdLst>
   <p:sldSz cx="12192000" cy="6858000"/>
   <p:notesSz cx="6858000" cy="9144000"/>
@@ -3841,7 +3840,7 @@
           <p:cNvPr id="2" name="Title 1">
             <a:extLst>
               <a:ext uri="{FF2B5EF4-FFF2-40B4-BE49-F238E27FC236}">
-                <a16:creationId xmlns:a16="http://schemas.microsoft.com/office/drawing/2014/main" id="{8B3AC409-A951-4B47-939E-696320413CA8}"/>
+                <a16:creationId xmlns:a16="http://schemas.microsoft.com/office/drawing/2014/main" id="{FD1CF595-B979-4064-8F44-B6FA645A1D35}"/>
               </a:ext>
             </a:extLst>
           </p:cNvPr>
@@ -3857,27 +3856,28 @@
           <a:bodyPr/>
           <a:lstStyle/>
           <a:p>
-            <a:pPr algn="ctr"/>
             <a:r>
               <a:rPr lang="en-US" dirty="0"/>
-              <a:t>Exploratory Data Analysis – Common Entities (Organizations)</a:t>
+              <a:t>Exploratory Data Analysis – Common Entities (People)</a:t>
             </a:r>
           </a:p>
         </p:txBody>
       </p:sp>
       <p:pic>
         <p:nvPicPr>
-          <p:cNvPr id="2056" name="Picture 8">
-            <a:extLst>
-              <a:ext uri="{FF2B5EF4-FFF2-40B4-BE49-F238E27FC236}">
-                <a16:creationId xmlns:a16="http://schemas.microsoft.com/office/drawing/2014/main" id="{50E921D3-6062-4EF2-9E2E-E0ACD8E422A8}"/>
+          <p:cNvPr id="4" name="Picture 10">
+            <a:extLst>
+              <a:ext uri="{FF2B5EF4-FFF2-40B4-BE49-F238E27FC236}">
+                <a16:creationId xmlns:a16="http://schemas.microsoft.com/office/drawing/2014/main" id="{0455781E-761D-4990-A889-929A12BE6194}"/>
               </a:ext>
             </a:extLst>
           </p:cNvPr>
           <p:cNvPicPr>
-            <a:picLocks noChangeAspect="1" noChangeArrowheads="1"/>
+            <a:picLocks noGrp="1" noChangeAspect="1" noChangeArrowheads="1"/>
           </p:cNvPicPr>
-          <p:nvPr/>
+          <p:nvPr>
+            <p:ph idx="1"/>
+          </p:nvPr>
         </p:nvPicPr>
         <p:blipFill>
           <a:blip r:embed="rId2">
@@ -3894,8 +3894,8 @@
         </p:blipFill>
         <p:spPr bwMode="auto">
           <a:xfrm>
-            <a:off x="1516574" y="1612163"/>
-            <a:ext cx="9020175" cy="5124450"/>
+            <a:off x="1991700" y="1825625"/>
+            <a:ext cx="8208599" cy="4351338"/>
           </a:xfrm>
           <a:prstGeom prst="rect">
             <a:avLst/>
@@ -3914,10 +3914,10 @@
       </p:pic>
       <p:sp>
         <p:nvSpPr>
-          <p:cNvPr id="6" name="Slide Number Placeholder 5">
-            <a:extLst>
-              <a:ext uri="{FF2B5EF4-FFF2-40B4-BE49-F238E27FC236}">
-                <a16:creationId xmlns:a16="http://schemas.microsoft.com/office/drawing/2014/main" id="{3801DA19-3AAA-4157-8976-F6176946FD1A}"/>
+          <p:cNvPr id="5" name="Slide Number Placeholder 4">
+            <a:extLst>
+              <a:ext uri="{FF2B5EF4-FFF2-40B4-BE49-F238E27FC236}">
+                <a16:creationId xmlns:a16="http://schemas.microsoft.com/office/drawing/2014/main" id="{9D6F554F-02E0-45AD-9DA2-BDF655608EE3}"/>
               </a:ext>
             </a:extLst>
           </p:cNvPr>
@@ -3944,7 +3944,7 @@
     </p:spTree>
     <p:extLst>
       <p:ext uri="{BB962C8B-B14F-4D97-AF65-F5344CB8AC3E}">
-        <p14:creationId xmlns:p14="http://schemas.microsoft.com/office/powerpoint/2010/main" val="2023277649"/>
+        <p14:creationId xmlns:p14="http://schemas.microsoft.com/office/powerpoint/2010/main" val="3017140651"/>
       </p:ext>
     </p:extLst>
   </p:cSld>
@@ -3976,7 +3976,7 @@
           <p:cNvPr id="2" name="Title 1">
             <a:extLst>
               <a:ext uri="{FF2B5EF4-FFF2-40B4-BE49-F238E27FC236}">
-                <a16:creationId xmlns:a16="http://schemas.microsoft.com/office/drawing/2014/main" id="{FD1CF595-B979-4064-8F44-B6FA645A1D35}"/>
+                <a16:creationId xmlns:a16="http://schemas.microsoft.com/office/drawing/2014/main" id="{1DEFF6C1-83BD-49F2-A909-83C3859C44F0}"/>
               </a:ext>
             </a:extLst>
           </p:cNvPr>
@@ -3994,26 +3994,24 @@
           <a:p>
             <a:r>
               <a:rPr lang="en-US" dirty="0"/>
-              <a:t>Exploratory Data Analysis – Common Entities (People)</a:t>
+              <a:t>Word clouds – People and Places</a:t>
             </a:r>
           </a:p>
         </p:txBody>
       </p:sp>
       <p:pic>
         <p:nvPicPr>
-          <p:cNvPr id="4" name="Picture 10">
-            <a:extLst>
-              <a:ext uri="{FF2B5EF4-FFF2-40B4-BE49-F238E27FC236}">
-                <a16:creationId xmlns:a16="http://schemas.microsoft.com/office/drawing/2014/main" id="{0455781E-761D-4990-A889-929A12BE6194}"/>
+          <p:cNvPr id="3074" name="Picture 2">
+            <a:extLst>
+              <a:ext uri="{FF2B5EF4-FFF2-40B4-BE49-F238E27FC236}">
+                <a16:creationId xmlns:a16="http://schemas.microsoft.com/office/drawing/2014/main" id="{C3A59085-A068-41A2-86C8-3426E5D465AB}"/>
               </a:ext>
             </a:extLst>
           </p:cNvPr>
           <p:cNvPicPr>
-            <a:picLocks noGrp="1" noChangeAspect="1" noChangeArrowheads="1"/>
+            <a:picLocks noChangeAspect="1" noChangeArrowheads="1"/>
           </p:cNvPicPr>
-          <p:nvPr>
-            <p:ph idx="1"/>
-          </p:nvPr>
+          <p:nvPr/>
         </p:nvPicPr>
         <p:blipFill>
           <a:blip r:embed="rId2">
@@ -4030,8 +4028,8 @@
         </p:blipFill>
         <p:spPr bwMode="auto">
           <a:xfrm>
-            <a:off x="1991700" y="1825625"/>
-            <a:ext cx="8208599" cy="4351338"/>
+            <a:off x="1793612" y="1744384"/>
+            <a:ext cx="8353425" cy="4305300"/>
           </a:xfrm>
           <a:prstGeom prst="rect">
             <a:avLst/>
@@ -4050,10 +4048,10 @@
       </p:pic>
       <p:sp>
         <p:nvSpPr>
-          <p:cNvPr id="5" name="Slide Number Placeholder 4">
-            <a:extLst>
-              <a:ext uri="{FF2B5EF4-FFF2-40B4-BE49-F238E27FC236}">
-                <a16:creationId xmlns:a16="http://schemas.microsoft.com/office/drawing/2014/main" id="{9D6F554F-02E0-45AD-9DA2-BDF655608EE3}"/>
+          <p:cNvPr id="4" name="Slide Number Placeholder 3">
+            <a:extLst>
+              <a:ext uri="{FF2B5EF4-FFF2-40B4-BE49-F238E27FC236}">
+                <a16:creationId xmlns:a16="http://schemas.microsoft.com/office/drawing/2014/main" id="{F5A6F1DB-984D-499E-A590-6F87605183EB}"/>
               </a:ext>
             </a:extLst>
           </p:cNvPr>
@@ -4080,7 +4078,7 @@
     </p:spTree>
     <p:extLst>
       <p:ext uri="{BB962C8B-B14F-4D97-AF65-F5344CB8AC3E}">
-        <p14:creationId xmlns:p14="http://schemas.microsoft.com/office/powerpoint/2010/main" val="3017140651"/>
+        <p14:creationId xmlns:p14="http://schemas.microsoft.com/office/powerpoint/2010/main" val="2134257134"/>
       </p:ext>
     </p:extLst>
   </p:cSld>
@@ -4112,7 +4110,7 @@
           <p:cNvPr id="2" name="Title 1">
             <a:extLst>
               <a:ext uri="{FF2B5EF4-FFF2-40B4-BE49-F238E27FC236}">
-                <a16:creationId xmlns:a16="http://schemas.microsoft.com/office/drawing/2014/main" id="{1DEFF6C1-83BD-49F2-A909-83C3859C44F0}"/>
+                <a16:creationId xmlns:a16="http://schemas.microsoft.com/office/drawing/2014/main" id="{FE5DA77F-4106-475F-AE14-88D3FB49A8D0}"/>
               </a:ext>
             </a:extLst>
           </p:cNvPr>
@@ -4130,64 +4128,73 @@
           <a:p>
             <a:r>
               <a:rPr lang="en-US" dirty="0"/>
-              <a:t>Word clouds – People and Places</a:t>
-            </a:r>
-          </a:p>
-        </p:txBody>
-      </p:sp>
-      <p:pic>
-        <p:nvPicPr>
-          <p:cNvPr id="3074" name="Picture 2">
-            <a:extLst>
-              <a:ext uri="{FF2B5EF4-FFF2-40B4-BE49-F238E27FC236}">
-                <a16:creationId xmlns:a16="http://schemas.microsoft.com/office/drawing/2014/main" id="{C3A59085-A068-41A2-86C8-3426E5D465AB}"/>
-              </a:ext>
-            </a:extLst>
-          </p:cNvPr>
-          <p:cNvPicPr>
-            <a:picLocks noChangeAspect="1" noChangeArrowheads="1"/>
-          </p:cNvPicPr>
-          <p:nvPr/>
-        </p:nvPicPr>
-        <p:blipFill>
-          <a:blip r:embed="rId2">
-            <a:extLst>
-              <a:ext uri="{28A0092B-C50C-407E-A947-70E740481C1C}">
-                <a14:useLocalDpi xmlns:a14="http://schemas.microsoft.com/office/drawing/2010/main" val="0"/>
-              </a:ext>
-            </a:extLst>
-          </a:blip>
-          <a:srcRect/>
-          <a:stretch>
-            <a:fillRect/>
-          </a:stretch>
-        </p:blipFill>
-        <p:spPr bwMode="auto">
-          <a:xfrm>
-            <a:off x="1793612" y="1744384"/>
-            <a:ext cx="8353425" cy="4305300"/>
-          </a:xfrm>
-          <a:prstGeom prst="rect">
-            <a:avLst/>
-          </a:prstGeom>
-          <a:noFill/>
-          <a:extLst>
-            <a:ext uri="{909E8E84-426E-40DD-AFC4-6F175D3DCCD1}">
-              <a14:hiddenFill xmlns:a14="http://schemas.microsoft.com/office/drawing/2010/main">
-                <a:solidFill>
-                  <a:srgbClr val="FFFFFF"/>
-                </a:solidFill>
-              </a14:hiddenFill>
-            </a:ext>
-          </a:extLst>
-        </p:spPr>
-      </p:pic>
+              <a:t>Types of Summarization</a:t>
+            </a:r>
+          </a:p>
+        </p:txBody>
+      </p:sp>
+      <p:sp>
+        <p:nvSpPr>
+          <p:cNvPr id="3" name="Content Placeholder 2">
+            <a:extLst>
+              <a:ext uri="{FF2B5EF4-FFF2-40B4-BE49-F238E27FC236}">
+                <a16:creationId xmlns:a16="http://schemas.microsoft.com/office/drawing/2014/main" id="{6B297225-B040-4923-80A6-2765857E6BDB}"/>
+              </a:ext>
+            </a:extLst>
+          </p:cNvPr>
+          <p:cNvSpPr>
+            <a:spLocks noGrp="1"/>
+          </p:cNvSpPr>
+          <p:nvPr>
+            <p:ph idx="1"/>
+          </p:nvPr>
+        </p:nvSpPr>
+        <p:spPr/>
+        <p:txBody>
+          <a:bodyPr>
+            <a:normAutofit/>
+          </a:bodyPr>
+          <a:lstStyle/>
+          <a:p>
+            <a:r>
+              <a:rPr lang="en-US" i="1" dirty="0"/>
+              <a:t>Extractive summarization</a:t>
+            </a:r>
+            <a:r>
+              <a:rPr lang="en-US" dirty="0"/>
+              <a:t> involves finding the most salient sentences and presenting them as a summary.</a:t>
+            </a:r>
+          </a:p>
+          <a:p>
+            <a:endParaRPr lang="en-US" dirty="0"/>
+          </a:p>
+          <a:p>
+            <a:r>
+              <a:rPr lang="en-US" i="1" dirty="0"/>
+              <a:t>Abstractive summarization </a:t>
+            </a:r>
+            <a:r>
+              <a:rPr lang="en-US" dirty="0"/>
+              <a:t>creates new summaries based on sentences given.</a:t>
+            </a:r>
+          </a:p>
+          <a:p>
+            <a:endParaRPr lang="en-US" dirty="0"/>
+          </a:p>
+          <a:p>
+            <a:r>
+              <a:rPr lang="en-US" dirty="0"/>
+              <a:t>Extractive summarization easier for computers to process – abstractive requires deep learning beyond the scope of this project.</a:t>
+            </a:r>
+          </a:p>
+        </p:txBody>
+      </p:sp>
       <p:sp>
         <p:nvSpPr>
           <p:cNvPr id="4" name="Slide Number Placeholder 3">
             <a:extLst>
               <a:ext uri="{FF2B5EF4-FFF2-40B4-BE49-F238E27FC236}">
-                <a16:creationId xmlns:a16="http://schemas.microsoft.com/office/drawing/2014/main" id="{F5A6F1DB-984D-499E-A590-6F87605183EB}"/>
+                <a16:creationId xmlns:a16="http://schemas.microsoft.com/office/drawing/2014/main" id="{3A7B087E-026B-4B94-9906-FF0CFEE989BE}"/>
               </a:ext>
             </a:extLst>
           </p:cNvPr>
@@ -4214,7 +4221,7 @@
     </p:spTree>
     <p:extLst>
       <p:ext uri="{BB962C8B-B14F-4D97-AF65-F5344CB8AC3E}">
-        <p14:creationId xmlns:p14="http://schemas.microsoft.com/office/powerpoint/2010/main" val="2134257134"/>
+        <p14:creationId xmlns:p14="http://schemas.microsoft.com/office/powerpoint/2010/main" val="72980036"/>
       </p:ext>
     </p:extLst>
   </p:cSld>
@@ -4246,7 +4253,7 @@
           <p:cNvPr id="2" name="Title 1">
             <a:extLst>
               <a:ext uri="{FF2B5EF4-FFF2-40B4-BE49-F238E27FC236}">
-                <a16:creationId xmlns:a16="http://schemas.microsoft.com/office/drawing/2014/main" id="{FE5DA77F-4106-475F-AE14-88D3FB49A8D0}"/>
+                <a16:creationId xmlns:a16="http://schemas.microsoft.com/office/drawing/2014/main" id="{C77A3701-021F-49D2-9BF9-A5148F10F0B8}"/>
               </a:ext>
             </a:extLst>
           </p:cNvPr>
@@ -4264,7 +4271,7 @@
           <a:p>
             <a:r>
               <a:rPr lang="en-US" dirty="0"/>
-              <a:t>Types of Summarization</a:t>
+              <a:t>Summarization Methods</a:t>
             </a:r>
           </a:p>
         </p:txBody>
@@ -4274,7 +4281,7 @@
           <p:cNvPr id="3" name="Content Placeholder 2">
             <a:extLst>
               <a:ext uri="{FF2B5EF4-FFF2-40B4-BE49-F238E27FC236}">
-                <a16:creationId xmlns:a16="http://schemas.microsoft.com/office/drawing/2014/main" id="{6B297225-B040-4923-80A6-2765857E6BDB}"/>
+                <a16:creationId xmlns:a16="http://schemas.microsoft.com/office/drawing/2014/main" id="{5C1C6ECD-93B8-4DD6-B53F-0E10FF559410}"/>
               </a:ext>
             </a:extLst>
           </p:cNvPr>
@@ -4287,18 +4294,16 @@
         </p:nvSpPr>
         <p:spPr/>
         <p:txBody>
-          <a:bodyPr>
-            <a:normAutofit/>
-          </a:bodyPr>
-          <a:lstStyle/>
-          <a:p>
-            <a:r>
-              <a:rPr lang="en-US" i="1" dirty="0"/>
-              <a:t>Extractive summarization</a:t>
+          <a:bodyPr/>
+          <a:lstStyle/>
+          <a:p>
+            <a:r>
+              <a:rPr lang="en-US" dirty="0" err="1"/>
+              <a:t>Textrank</a:t>
             </a:r>
             <a:r>
               <a:rPr lang="en-US" dirty="0"/>
-              <a:t> involves finding the most salient sentences and presenting them as a summary.</a:t>
+              <a:t> is a graph based weighting model similar to Google’s PageRank algorithm.</a:t>
             </a:r>
           </a:p>
           <a:p>
@@ -4306,12 +4311,22 @@
           </a:p>
           <a:p>
             <a:r>
-              <a:rPr lang="en-US" i="1" dirty="0"/>
-              <a:t>Abstractive summarization </a:t>
+              <a:rPr lang="en-US" u="sng" dirty="0" err="1">
+                <a:hlinkClick r:id="rId2"/>
+              </a:rPr>
+              <a:t>Lexrank</a:t>
             </a:r>
             <a:r>
               <a:rPr lang="en-US" dirty="0"/>
-              <a:t>creates new summaries based on sentences given.</a:t>
+              <a:t> uses the same graph-based weighting model as </a:t>
+            </a:r>
+            <a:r>
+              <a:rPr lang="en-US" dirty="0" err="1"/>
+              <a:t>Textrank</a:t>
+            </a:r>
+            <a:r>
+              <a:rPr lang="en-US" dirty="0"/>
+              <a:t>, but differs in the method of generating weights. </a:t>
             </a:r>
           </a:p>
           <a:p>
@@ -4320,7 +4335,7 @@
           <a:p>
             <a:r>
               <a:rPr lang="en-US" dirty="0"/>
-              <a:t>Extractive summarization easier for computers to process – abstractive requires deep learning beyond the scope of this project.</a:t>
+              <a:t>LSA analyzes similarities between the meanings of a series of documents and produces a series of concepts related to the documents.</a:t>
             </a:r>
           </a:p>
         </p:txBody>
@@ -4330,7 +4345,7 @@
           <p:cNvPr id="4" name="Slide Number Placeholder 3">
             <a:extLst>
               <a:ext uri="{FF2B5EF4-FFF2-40B4-BE49-F238E27FC236}">
-                <a16:creationId xmlns:a16="http://schemas.microsoft.com/office/drawing/2014/main" id="{3A7B087E-026B-4B94-9906-FF0CFEE989BE}"/>
+                <a16:creationId xmlns:a16="http://schemas.microsoft.com/office/drawing/2014/main" id="{4C292AF1-37B5-4CB3-90FC-D7DE6355EB74}"/>
               </a:ext>
             </a:extLst>
           </p:cNvPr>
@@ -4357,7 +4372,7 @@
     </p:spTree>
     <p:extLst>
       <p:ext uri="{BB962C8B-B14F-4D97-AF65-F5344CB8AC3E}">
-        <p14:creationId xmlns:p14="http://schemas.microsoft.com/office/powerpoint/2010/main" val="72980036"/>
+        <p14:creationId xmlns:p14="http://schemas.microsoft.com/office/powerpoint/2010/main" val="311499538"/>
       </p:ext>
     </p:extLst>
   </p:cSld>
@@ -4389,7 +4404,7 @@
           <p:cNvPr id="2" name="Title 1">
             <a:extLst>
               <a:ext uri="{FF2B5EF4-FFF2-40B4-BE49-F238E27FC236}">
-                <a16:creationId xmlns:a16="http://schemas.microsoft.com/office/drawing/2014/main" id="{C77A3701-021F-49D2-9BF9-A5148F10F0B8}"/>
+                <a16:creationId xmlns:a16="http://schemas.microsoft.com/office/drawing/2014/main" id="{CE57F2B3-E7F9-4EB2-9195-41B049DE2E57}"/>
               </a:ext>
             </a:extLst>
           </p:cNvPr>
@@ -4407,7 +4422,7 @@
           <a:p>
             <a:r>
               <a:rPr lang="en-US" dirty="0"/>
-              <a:t>Summarization Methods</a:t>
+              <a:t>Measuring Summarization Quality</a:t>
             </a:r>
           </a:p>
         </p:txBody>
@@ -4417,7 +4432,7 @@
           <p:cNvPr id="3" name="Content Placeholder 2">
             <a:extLst>
               <a:ext uri="{FF2B5EF4-FFF2-40B4-BE49-F238E27FC236}">
-                <a16:creationId xmlns:a16="http://schemas.microsoft.com/office/drawing/2014/main" id="{5C1C6ECD-93B8-4DD6-B53F-0E10FF559410}"/>
+                <a16:creationId xmlns:a16="http://schemas.microsoft.com/office/drawing/2014/main" id="{4C0AD449-5F62-4801-A8EC-410889276BBB}"/>
               </a:ext>
             </a:extLst>
           </p:cNvPr>
@@ -4434,12 +4449,8 @@
           <a:lstStyle/>
           <a:p>
             <a:r>
-              <a:rPr lang="en-US" dirty="0" err="1"/>
-              <a:t>Textrank</a:t>
-            </a:r>
-            <a:r>
               <a:rPr lang="en-US" dirty="0"/>
-              <a:t> is a graph based weighting model similar to Google’s PageRank algorithm.</a:t>
+              <a:t>Use Spacy to measure similarities between summaries extracted between 3 different methods</a:t>
             </a:r>
           </a:p>
           <a:p>
@@ -4447,31 +4458,17 @@
           </a:p>
           <a:p>
             <a:r>
-              <a:rPr lang="en-US" u="sng" dirty="0" err="1">
-                <a:hlinkClick r:id="rId2"/>
-              </a:rPr>
-              <a:t>Lexrank</a:t>
-            </a:r>
-            <a:r>
               <a:rPr lang="en-US" dirty="0"/>
-              <a:t> uses the same graph-based weighting model as </a:t>
-            </a:r>
-            <a:r>
-              <a:rPr lang="en-US" dirty="0" err="1"/>
-              <a:t>Textrank</a:t>
-            </a:r>
+              <a:t>Plot similarities for each pairwise comparison to find where summaries differ from each other</a:t>
+            </a:r>
+          </a:p>
+          <a:p>
+            <a:endParaRPr lang="en-US" dirty="0"/>
+          </a:p>
+          <a:p>
             <a:r>
               <a:rPr lang="en-US" dirty="0"/>
-              <a:t>, but differs in the method of generating weights. </a:t>
-            </a:r>
-          </a:p>
-          <a:p>
-            <a:endParaRPr lang="en-US" dirty="0"/>
-          </a:p>
-          <a:p>
-            <a:r>
-              <a:rPr lang="en-US" dirty="0"/>
-              <a:t>LSA analyzes similarities between the meanings of a series of documents and produces a series of concepts related to the documents.</a:t>
+              <a:t>Examine summaries from years of diverging similarity to find “best” summary method</a:t>
             </a:r>
           </a:p>
         </p:txBody>
@@ -4481,7 +4478,7 @@
           <p:cNvPr id="4" name="Slide Number Placeholder 3">
             <a:extLst>
               <a:ext uri="{FF2B5EF4-FFF2-40B4-BE49-F238E27FC236}">
-                <a16:creationId xmlns:a16="http://schemas.microsoft.com/office/drawing/2014/main" id="{4C292AF1-37B5-4CB3-90FC-D7DE6355EB74}"/>
+                <a16:creationId xmlns:a16="http://schemas.microsoft.com/office/drawing/2014/main" id="{D7EB0E64-5729-4FBE-B3E0-94518660872E}"/>
               </a:ext>
             </a:extLst>
           </p:cNvPr>
@@ -4508,7 +4505,7 @@
     </p:spTree>
     <p:extLst>
       <p:ext uri="{BB962C8B-B14F-4D97-AF65-F5344CB8AC3E}">
-        <p14:creationId xmlns:p14="http://schemas.microsoft.com/office/powerpoint/2010/main" val="311499538"/>
+        <p14:creationId xmlns:p14="http://schemas.microsoft.com/office/powerpoint/2010/main" val="2324385572"/>
       </p:ext>
     </p:extLst>
   </p:cSld>
@@ -4540,7 +4537,7 @@
           <p:cNvPr id="2" name="Title 1">
             <a:extLst>
               <a:ext uri="{FF2B5EF4-FFF2-40B4-BE49-F238E27FC236}">
-                <a16:creationId xmlns:a16="http://schemas.microsoft.com/office/drawing/2014/main" id="{CE57F2B3-E7F9-4EB2-9195-41B049DE2E57}"/>
+                <a16:creationId xmlns:a16="http://schemas.microsoft.com/office/drawing/2014/main" id="{ECF63131-82B9-4092-BBDF-4509DAF06C2C}"/>
               </a:ext>
             </a:extLst>
           </p:cNvPr>
@@ -4558,53 +4555,7 @@
           <a:p>
             <a:r>
               <a:rPr lang="en-US" dirty="0"/>
-              <a:t>Measuring Summarization Quality</a:t>
-            </a:r>
-          </a:p>
-        </p:txBody>
-      </p:sp>
-      <p:sp>
-        <p:nvSpPr>
-          <p:cNvPr id="3" name="Content Placeholder 2">
-            <a:extLst>
-              <a:ext uri="{FF2B5EF4-FFF2-40B4-BE49-F238E27FC236}">
-                <a16:creationId xmlns:a16="http://schemas.microsoft.com/office/drawing/2014/main" id="{4C0AD449-5F62-4801-A8EC-410889276BBB}"/>
-              </a:ext>
-            </a:extLst>
-          </p:cNvPr>
-          <p:cNvSpPr>
-            <a:spLocks noGrp="1"/>
-          </p:cNvSpPr>
-          <p:nvPr>
-            <p:ph idx="1"/>
-          </p:nvPr>
-        </p:nvSpPr>
-        <p:spPr/>
-        <p:txBody>
-          <a:bodyPr/>
-          <a:lstStyle/>
-          <a:p>
-            <a:r>
-              <a:rPr lang="en-US" dirty="0"/>
-              <a:t>Use Spacy to measure similarities between summaries extracted between 3 different methods</a:t>
-            </a:r>
-          </a:p>
-          <a:p>
-            <a:endParaRPr lang="en-US" dirty="0"/>
-          </a:p>
-          <a:p>
-            <a:r>
-              <a:rPr lang="en-US" dirty="0"/>
-              <a:t>Plot similarities for each pairwise comparison to find where summaries differ from each other</a:t>
-            </a:r>
-          </a:p>
-          <a:p>
-            <a:endParaRPr lang="en-US" dirty="0"/>
-          </a:p>
-          <a:p>
-            <a:r>
-              <a:rPr lang="en-US" dirty="0"/>
-              <a:t>Examine summaries from years of diverging similarity to find “best” summary method</a:t>
+              <a:t>Similarities in Summarization</a:t>
             </a:r>
           </a:p>
         </p:txBody>
@@ -4614,7 +4565,7 @@
           <p:cNvPr id="4" name="Slide Number Placeholder 3">
             <a:extLst>
               <a:ext uri="{FF2B5EF4-FFF2-40B4-BE49-F238E27FC236}">
-                <a16:creationId xmlns:a16="http://schemas.microsoft.com/office/drawing/2014/main" id="{D7EB0E64-5729-4FBE-B3E0-94518660872E}"/>
+                <a16:creationId xmlns:a16="http://schemas.microsoft.com/office/drawing/2014/main" id="{AA1FF9B3-5C3E-4236-869E-0A6C030807C0}"/>
               </a:ext>
             </a:extLst>
           </p:cNvPr>
@@ -4633,93 +4584,6 @@
             <a:fld id="{5DC5D36E-4BAD-40D5-85A5-CF97D1C61F58}" type="slidenum">
               <a:rPr lang="en-US" smtClean="0"/>
               <a:t>15</a:t>
-            </a:fld>
-            <a:endParaRPr lang="en-US"/>
-          </a:p>
-        </p:txBody>
-      </p:sp>
-    </p:spTree>
-    <p:extLst>
-      <p:ext uri="{BB962C8B-B14F-4D97-AF65-F5344CB8AC3E}">
-        <p14:creationId xmlns:p14="http://schemas.microsoft.com/office/powerpoint/2010/main" val="2324385572"/>
-      </p:ext>
-    </p:extLst>
-  </p:cSld>
-  <p:clrMapOvr>
-    <a:masterClrMapping/>
-  </p:clrMapOvr>
-</p:sld>
-</file>
-
-<file path=ppt/slides/slide16.xml><?xml version="1.0" encoding="utf-8"?>
-<p:sld xmlns:a="http://schemas.openxmlformats.org/drawingml/2006/main" xmlns:r="http://schemas.openxmlformats.org/officeDocument/2006/relationships" xmlns:p="http://schemas.openxmlformats.org/presentationml/2006/main">
-  <p:cSld>
-    <p:spTree>
-      <p:nvGrpSpPr>
-        <p:cNvPr id="1" name=""/>
-        <p:cNvGrpSpPr/>
-        <p:nvPr/>
-      </p:nvGrpSpPr>
-      <p:grpSpPr>
-        <a:xfrm>
-          <a:off x="0" y="0"/>
-          <a:ext cx="0" cy="0"/>
-          <a:chOff x="0" y="0"/>
-          <a:chExt cx="0" cy="0"/>
-        </a:xfrm>
-      </p:grpSpPr>
-      <p:sp>
-        <p:nvSpPr>
-          <p:cNvPr id="2" name="Title 1">
-            <a:extLst>
-              <a:ext uri="{FF2B5EF4-FFF2-40B4-BE49-F238E27FC236}">
-                <a16:creationId xmlns:a16="http://schemas.microsoft.com/office/drawing/2014/main" id="{ECF63131-82B9-4092-BBDF-4509DAF06C2C}"/>
-              </a:ext>
-            </a:extLst>
-          </p:cNvPr>
-          <p:cNvSpPr>
-            <a:spLocks noGrp="1"/>
-          </p:cNvSpPr>
-          <p:nvPr>
-            <p:ph type="title"/>
-          </p:nvPr>
-        </p:nvSpPr>
-        <p:spPr/>
-        <p:txBody>
-          <a:bodyPr/>
-          <a:lstStyle/>
-          <a:p>
-            <a:r>
-              <a:rPr lang="en-US" dirty="0"/>
-              <a:t>Similarities in Summarization</a:t>
-            </a:r>
-          </a:p>
-        </p:txBody>
-      </p:sp>
-      <p:sp>
-        <p:nvSpPr>
-          <p:cNvPr id="4" name="Slide Number Placeholder 3">
-            <a:extLst>
-              <a:ext uri="{FF2B5EF4-FFF2-40B4-BE49-F238E27FC236}">
-                <a16:creationId xmlns:a16="http://schemas.microsoft.com/office/drawing/2014/main" id="{AA1FF9B3-5C3E-4236-869E-0A6C030807C0}"/>
-              </a:ext>
-            </a:extLst>
-          </p:cNvPr>
-          <p:cNvSpPr>
-            <a:spLocks noGrp="1"/>
-          </p:cNvSpPr>
-          <p:nvPr>
-            <p:ph type="sldNum" sz="quarter" idx="12"/>
-          </p:nvPr>
-        </p:nvSpPr>
-        <p:spPr/>
-        <p:txBody>
-          <a:bodyPr/>
-          <a:lstStyle/>
-          <a:p>
-            <a:fld id="{5DC5D36E-4BAD-40D5-85A5-CF97D1C61F58}" type="slidenum">
-              <a:rPr lang="en-US" smtClean="0"/>
-              <a:t>16</a:t>
             </a:fld>
             <a:endParaRPr lang="en-US"/>
           </a:p>
@@ -4785,7 +4649,7 @@
 </p:sld>
 </file>
 
-<file path=ppt/slides/slide17.xml><?xml version="1.0" encoding="utf-8"?>
+<file path=ppt/slides/slide16.xml><?xml version="1.0" encoding="utf-8"?>
 <p:sld xmlns:a="http://schemas.openxmlformats.org/drawingml/2006/main" xmlns:r="http://schemas.openxmlformats.org/officeDocument/2006/relationships" xmlns:p="http://schemas.openxmlformats.org/presentationml/2006/main">
   <p:cSld>
     <p:spTree>
@@ -4853,7 +4717,7 @@
           <a:p>
             <a:fld id="{5DC5D36E-4BAD-40D5-85A5-CF97D1C61F58}" type="slidenum">
               <a:rPr lang="en-US" smtClean="0"/>
-              <a:t>17</a:t>
+              <a:t>16</a:t>
             </a:fld>
             <a:endParaRPr lang="en-US"/>
           </a:p>
@@ -4962,6 +4826,118 @@
 </p:sld>
 </file>
 
+<file path=ppt/slides/slide17.xml><?xml version="1.0" encoding="utf-8"?>
+<p:sld xmlns:a="http://schemas.openxmlformats.org/drawingml/2006/main" xmlns:r="http://schemas.openxmlformats.org/officeDocument/2006/relationships" xmlns:p="http://schemas.openxmlformats.org/presentationml/2006/main">
+  <p:cSld>
+    <p:spTree>
+      <p:nvGrpSpPr>
+        <p:cNvPr id="1" name=""/>
+        <p:cNvGrpSpPr/>
+        <p:nvPr/>
+      </p:nvGrpSpPr>
+      <p:grpSpPr>
+        <a:xfrm>
+          <a:off x="0" y="0"/>
+          <a:ext cx="0" cy="0"/>
+          <a:chOff x="0" y="0"/>
+          <a:chExt cx="0" cy="0"/>
+        </a:xfrm>
+      </p:grpSpPr>
+      <p:sp>
+        <p:nvSpPr>
+          <p:cNvPr id="2" name="Title 1">
+            <a:extLst>
+              <a:ext uri="{FF2B5EF4-FFF2-40B4-BE49-F238E27FC236}">
+                <a16:creationId xmlns:a16="http://schemas.microsoft.com/office/drawing/2014/main" id="{8121C31A-464B-4B2B-BD96-B2C93F6683E5}"/>
+              </a:ext>
+            </a:extLst>
+          </p:cNvPr>
+          <p:cNvSpPr>
+            <a:spLocks noGrp="1"/>
+          </p:cNvSpPr>
+          <p:nvPr>
+            <p:ph type="title"/>
+          </p:nvPr>
+        </p:nvSpPr>
+        <p:spPr/>
+        <p:txBody>
+          <a:bodyPr/>
+          <a:lstStyle/>
+          <a:p>
+            <a:r>
+              <a:rPr lang="en-US" dirty="0"/>
+              <a:t>Summarization of Corpus (Milestone II)</a:t>
+            </a:r>
+          </a:p>
+        </p:txBody>
+      </p:sp>
+      <p:sp>
+        <p:nvSpPr>
+          <p:cNvPr id="3" name="Content Placeholder 2">
+            <a:extLst>
+              <a:ext uri="{FF2B5EF4-FFF2-40B4-BE49-F238E27FC236}">
+                <a16:creationId xmlns:a16="http://schemas.microsoft.com/office/drawing/2014/main" id="{DB8E43CF-B8AF-4354-A5BE-D20A999A8BB9}"/>
+              </a:ext>
+            </a:extLst>
+          </p:cNvPr>
+          <p:cNvSpPr>
+            <a:spLocks noGrp="1"/>
+          </p:cNvSpPr>
+          <p:nvPr>
+            <p:ph idx="1"/>
+          </p:nvPr>
+        </p:nvSpPr>
+        <p:spPr/>
+        <p:txBody>
+          <a:bodyPr/>
+          <a:lstStyle/>
+          <a:p>
+            <a:endParaRPr lang="en-US"/>
+          </a:p>
+        </p:txBody>
+      </p:sp>
+      <p:sp>
+        <p:nvSpPr>
+          <p:cNvPr id="4" name="Slide Number Placeholder 3">
+            <a:extLst>
+              <a:ext uri="{FF2B5EF4-FFF2-40B4-BE49-F238E27FC236}">
+                <a16:creationId xmlns:a16="http://schemas.microsoft.com/office/drawing/2014/main" id="{F59F0957-E468-494E-BADE-10255F779EEF}"/>
+              </a:ext>
+            </a:extLst>
+          </p:cNvPr>
+          <p:cNvSpPr>
+            <a:spLocks noGrp="1"/>
+          </p:cNvSpPr>
+          <p:nvPr>
+            <p:ph type="sldNum" sz="quarter" idx="12"/>
+          </p:nvPr>
+        </p:nvSpPr>
+        <p:spPr/>
+        <p:txBody>
+          <a:bodyPr/>
+          <a:lstStyle/>
+          <a:p>
+            <a:fld id="{5DC5D36E-4BAD-40D5-85A5-CF97D1C61F58}" type="slidenum">
+              <a:rPr lang="en-US" smtClean="0"/>
+              <a:t>17</a:t>
+            </a:fld>
+            <a:endParaRPr lang="en-US"/>
+          </a:p>
+        </p:txBody>
+      </p:sp>
+    </p:spTree>
+    <p:extLst>
+      <p:ext uri="{BB962C8B-B14F-4D97-AF65-F5344CB8AC3E}">
+        <p14:creationId xmlns:p14="http://schemas.microsoft.com/office/powerpoint/2010/main" val="3463256761"/>
+      </p:ext>
+    </p:extLst>
+  </p:cSld>
+  <p:clrMapOvr>
+    <a:masterClrMapping/>
+  </p:clrMapOvr>
+</p:sld>
+</file>
+
 <file path=ppt/slides/slide18.xml><?xml version="1.0" encoding="utf-8"?>
 <p:sld xmlns:a="http://schemas.openxmlformats.org/drawingml/2006/main" xmlns:r="http://schemas.openxmlformats.org/officeDocument/2006/relationships" xmlns:p="http://schemas.openxmlformats.org/presentationml/2006/main">
   <p:cSld>
@@ -4984,7 +4960,7 @@
           <p:cNvPr id="2" name="Title 1">
             <a:extLst>
               <a:ext uri="{FF2B5EF4-FFF2-40B4-BE49-F238E27FC236}">
-                <a16:creationId xmlns:a16="http://schemas.microsoft.com/office/drawing/2014/main" id="{8121C31A-464B-4B2B-BD96-B2C93F6683E5}"/>
+                <a16:creationId xmlns:a16="http://schemas.microsoft.com/office/drawing/2014/main" id="{47FE42DF-390D-4477-A732-0DC7B74015BD}"/>
               </a:ext>
             </a:extLst>
           </p:cNvPr>
@@ -5002,7 +4978,15 @@
           <a:p>
             <a:r>
               <a:rPr lang="en-US" dirty="0"/>
-              <a:t>Summarization of Corpus (Milestone II)</a:t>
+              <a:t>Topic Modeling: </a:t>
+            </a:r>
+            <a:r>
+              <a:rPr lang="en-US" dirty="0" err="1"/>
+              <a:t>Gensim</a:t>
+            </a:r>
+            <a:r>
+              <a:rPr lang="en-US" dirty="0"/>
+              <a:t> (Milestone II)</a:t>
             </a:r>
           </a:p>
         </p:txBody>
@@ -5012,7 +4996,7 @@
           <p:cNvPr id="3" name="Content Placeholder 2">
             <a:extLst>
               <a:ext uri="{FF2B5EF4-FFF2-40B4-BE49-F238E27FC236}">
-                <a16:creationId xmlns:a16="http://schemas.microsoft.com/office/drawing/2014/main" id="{DB8E43CF-B8AF-4354-A5BE-D20A999A8BB9}"/>
+                <a16:creationId xmlns:a16="http://schemas.microsoft.com/office/drawing/2014/main" id="{437D0FA6-669D-45F8-9184-812EFF3EE2E8}"/>
               </a:ext>
             </a:extLst>
           </p:cNvPr>
@@ -5037,7 +5021,7 @@
           <p:cNvPr id="4" name="Slide Number Placeholder 3">
             <a:extLst>
               <a:ext uri="{FF2B5EF4-FFF2-40B4-BE49-F238E27FC236}">
-                <a16:creationId xmlns:a16="http://schemas.microsoft.com/office/drawing/2014/main" id="{F59F0957-E468-494E-BADE-10255F779EEF}"/>
+                <a16:creationId xmlns:a16="http://schemas.microsoft.com/office/drawing/2014/main" id="{8BD189FC-F641-4C93-8900-B602B38DC987}"/>
               </a:ext>
             </a:extLst>
           </p:cNvPr>
@@ -5056,126 +5040,6 @@
             <a:fld id="{5DC5D36E-4BAD-40D5-85A5-CF97D1C61F58}" type="slidenum">
               <a:rPr lang="en-US" smtClean="0"/>
               <a:t>18</a:t>
-            </a:fld>
-            <a:endParaRPr lang="en-US"/>
-          </a:p>
-        </p:txBody>
-      </p:sp>
-    </p:spTree>
-    <p:extLst>
-      <p:ext uri="{BB962C8B-B14F-4D97-AF65-F5344CB8AC3E}">
-        <p14:creationId xmlns:p14="http://schemas.microsoft.com/office/powerpoint/2010/main" val="3463256761"/>
-      </p:ext>
-    </p:extLst>
-  </p:cSld>
-  <p:clrMapOvr>
-    <a:masterClrMapping/>
-  </p:clrMapOvr>
-</p:sld>
-</file>
-
-<file path=ppt/slides/slide19.xml><?xml version="1.0" encoding="utf-8"?>
-<p:sld xmlns:a="http://schemas.openxmlformats.org/drawingml/2006/main" xmlns:r="http://schemas.openxmlformats.org/officeDocument/2006/relationships" xmlns:p="http://schemas.openxmlformats.org/presentationml/2006/main">
-  <p:cSld>
-    <p:spTree>
-      <p:nvGrpSpPr>
-        <p:cNvPr id="1" name=""/>
-        <p:cNvGrpSpPr/>
-        <p:nvPr/>
-      </p:nvGrpSpPr>
-      <p:grpSpPr>
-        <a:xfrm>
-          <a:off x="0" y="0"/>
-          <a:ext cx="0" cy="0"/>
-          <a:chOff x="0" y="0"/>
-          <a:chExt cx="0" cy="0"/>
-        </a:xfrm>
-      </p:grpSpPr>
-      <p:sp>
-        <p:nvSpPr>
-          <p:cNvPr id="2" name="Title 1">
-            <a:extLst>
-              <a:ext uri="{FF2B5EF4-FFF2-40B4-BE49-F238E27FC236}">
-                <a16:creationId xmlns:a16="http://schemas.microsoft.com/office/drawing/2014/main" id="{47FE42DF-390D-4477-A732-0DC7B74015BD}"/>
-              </a:ext>
-            </a:extLst>
-          </p:cNvPr>
-          <p:cNvSpPr>
-            <a:spLocks noGrp="1"/>
-          </p:cNvSpPr>
-          <p:nvPr>
-            <p:ph type="title"/>
-          </p:nvPr>
-        </p:nvSpPr>
-        <p:spPr/>
-        <p:txBody>
-          <a:bodyPr/>
-          <a:lstStyle/>
-          <a:p>
-            <a:r>
-              <a:rPr lang="en-US" dirty="0"/>
-              <a:t>Topic Modeling: </a:t>
-            </a:r>
-            <a:r>
-              <a:rPr lang="en-US" dirty="0" err="1"/>
-              <a:t>Gensim</a:t>
-            </a:r>
-            <a:r>
-              <a:rPr lang="en-US" dirty="0"/>
-              <a:t> (Milestone II)</a:t>
-            </a:r>
-          </a:p>
-        </p:txBody>
-      </p:sp>
-      <p:sp>
-        <p:nvSpPr>
-          <p:cNvPr id="3" name="Content Placeholder 2">
-            <a:extLst>
-              <a:ext uri="{FF2B5EF4-FFF2-40B4-BE49-F238E27FC236}">
-                <a16:creationId xmlns:a16="http://schemas.microsoft.com/office/drawing/2014/main" id="{437D0FA6-669D-45F8-9184-812EFF3EE2E8}"/>
-              </a:ext>
-            </a:extLst>
-          </p:cNvPr>
-          <p:cNvSpPr>
-            <a:spLocks noGrp="1"/>
-          </p:cNvSpPr>
-          <p:nvPr>
-            <p:ph idx="1"/>
-          </p:nvPr>
-        </p:nvSpPr>
-        <p:spPr/>
-        <p:txBody>
-          <a:bodyPr/>
-          <a:lstStyle/>
-          <a:p>
-            <a:endParaRPr lang="en-US"/>
-          </a:p>
-        </p:txBody>
-      </p:sp>
-      <p:sp>
-        <p:nvSpPr>
-          <p:cNvPr id="4" name="Slide Number Placeholder 3">
-            <a:extLst>
-              <a:ext uri="{FF2B5EF4-FFF2-40B4-BE49-F238E27FC236}">
-                <a16:creationId xmlns:a16="http://schemas.microsoft.com/office/drawing/2014/main" id="{8BD189FC-F641-4C93-8900-B602B38DC987}"/>
-              </a:ext>
-            </a:extLst>
-          </p:cNvPr>
-          <p:cNvSpPr>
-            <a:spLocks noGrp="1"/>
-          </p:cNvSpPr>
-          <p:nvPr>
-            <p:ph type="sldNum" sz="quarter" idx="12"/>
-          </p:nvPr>
-        </p:nvSpPr>
-        <p:spPr/>
-        <p:txBody>
-          <a:bodyPr/>
-          <a:lstStyle/>
-          <a:p>
-            <a:fld id="{5DC5D36E-4BAD-40D5-85A5-CF97D1C61F58}" type="slidenum">
-              <a:rPr lang="en-US" smtClean="0"/>
-              <a:t>19</a:t>
             </a:fld>
             <a:endParaRPr lang="en-US"/>
           </a:p>
@@ -6154,7 +6018,7 @@
           <p:cNvPr id="2" name="Title 1">
             <a:extLst>
               <a:ext uri="{FF2B5EF4-FFF2-40B4-BE49-F238E27FC236}">
-                <a16:creationId xmlns:a16="http://schemas.microsoft.com/office/drawing/2014/main" id="{E248A93F-3340-4909-8724-07C25A5323D0}"/>
+                <a16:creationId xmlns:a16="http://schemas.microsoft.com/office/drawing/2014/main" id="{8B3AC409-A951-4B47-939E-696320413CA8}"/>
               </a:ext>
             </a:extLst>
           </p:cNvPr>
@@ -6170,19 +6034,20 @@
           <a:bodyPr/>
           <a:lstStyle/>
           <a:p>
+            <a:pPr algn="ctr"/>
             <a:r>
               <a:rPr lang="en-US" dirty="0"/>
-              <a:t>Exploratory Data Analysis</a:t>
+              <a:t>Exploratory Data Analysis – Common Entities (Organizations)</a:t>
             </a:r>
           </a:p>
         </p:txBody>
       </p:sp>
       <p:pic>
         <p:nvPicPr>
-          <p:cNvPr id="1026" name="Picture 2">
-            <a:extLst>
-              <a:ext uri="{FF2B5EF4-FFF2-40B4-BE49-F238E27FC236}">
-                <a16:creationId xmlns:a16="http://schemas.microsoft.com/office/drawing/2014/main" id="{AF0B1CE2-192F-428B-877E-7F33B426023F}"/>
+          <p:cNvPr id="2056" name="Picture 8">
+            <a:extLst>
+              <a:ext uri="{FF2B5EF4-FFF2-40B4-BE49-F238E27FC236}">
+                <a16:creationId xmlns:a16="http://schemas.microsoft.com/office/drawing/2014/main" id="{50E921D3-6062-4EF2-9E2E-E0ACD8E422A8}"/>
               </a:ext>
             </a:extLst>
           </p:cNvPr>
@@ -6206,8 +6071,8 @@
         </p:blipFill>
         <p:spPr bwMode="auto">
           <a:xfrm>
-            <a:off x="1571625" y="1864914"/>
-            <a:ext cx="9048750" cy="4419600"/>
+            <a:off x="1516574" y="1612163"/>
+            <a:ext cx="9020175" cy="5124450"/>
           </a:xfrm>
           <a:prstGeom prst="rect">
             <a:avLst/>
@@ -6226,10 +6091,10 @@
       </p:pic>
       <p:sp>
         <p:nvSpPr>
-          <p:cNvPr id="5" name="Slide Number Placeholder 4">
-            <a:extLst>
-              <a:ext uri="{FF2B5EF4-FFF2-40B4-BE49-F238E27FC236}">
-                <a16:creationId xmlns:a16="http://schemas.microsoft.com/office/drawing/2014/main" id="{3860D260-86C7-49CD-B908-14F69C1DA6F5}"/>
+          <p:cNvPr id="6" name="Slide Number Placeholder 5">
+            <a:extLst>
+              <a:ext uri="{FF2B5EF4-FFF2-40B4-BE49-F238E27FC236}">
+                <a16:creationId xmlns:a16="http://schemas.microsoft.com/office/drawing/2014/main" id="{3801DA19-3AAA-4157-8976-F6176946FD1A}"/>
               </a:ext>
             </a:extLst>
           </p:cNvPr>
@@ -6256,7 +6121,7 @@
     </p:spTree>
     <p:extLst>
       <p:ext uri="{BB962C8B-B14F-4D97-AF65-F5344CB8AC3E}">
-        <p14:creationId xmlns:p14="http://schemas.microsoft.com/office/powerpoint/2010/main" val="574255533"/>
+        <p14:creationId xmlns:p14="http://schemas.microsoft.com/office/powerpoint/2010/main" val="2023277649"/>
       </p:ext>
     </p:extLst>
   </p:cSld>
